--- a/DOC/设计稿.pptx
+++ b/DOC/设计稿.pptx
@@ -1,18 +1,19 @@
 
 <file path=ppt/presentation.xml><?xml version="1.0" encoding="utf-8"?>
-<p:presentation xmlns:a="http://schemas.openxmlformats.org/drawingml/2006/main" xmlns:r="http://schemas.openxmlformats.org/officeDocument/2006/relationships" xmlns:p="http://schemas.openxmlformats.org/presentationml/2006/main" saveSubsetFonts="1" autoCompressPictures="0">
+<p:presentation xmlns:a="http://schemas.openxmlformats.org/drawingml/2006/main" xmlns:r="http://schemas.openxmlformats.org/officeDocument/2006/relationships" xmlns:p="http://schemas.openxmlformats.org/presentationml/2006/main" autoCompressPictures="0">
   <p:sldMasterIdLst>
     <p:sldMasterId id="2147483648" r:id="rId1"/>
   </p:sldMasterIdLst>
   <p:sldIdLst>
-    <p:sldId id="256" r:id="rId2"/>
-    <p:sldId id="257" r:id="rId3"/>
-    <p:sldId id="258" r:id="rId4"/>
-    <p:sldId id="259" r:id="rId5"/>
-    <p:sldId id="262" r:id="rId6"/>
-    <p:sldId id="260" r:id="rId7"/>
-    <p:sldId id="261" r:id="rId8"/>
-    <p:sldId id="263" r:id="rId9"/>
+    <p:sldId id="256" r:id="rId3"/>
+    <p:sldId id="257" r:id="rId4"/>
+    <p:sldId id="258" r:id="rId5"/>
+    <p:sldId id="259" r:id="rId6"/>
+    <p:sldId id="262" r:id="rId7"/>
+    <p:sldId id="260" r:id="rId8"/>
+    <p:sldId id="261" r:id="rId9"/>
+    <p:sldId id="263" r:id="rId10"/>
+    <p:sldId id="266" r:id="rId11"/>
   </p:sldIdLst>
   <p:sldSz cx="12192000" cy="6858000"/>
   <p:notesSz cx="6858000" cy="9144000"/>
@@ -111,22 +112,6 @@
       </a:defRPr>
     </a:lvl9pPr>
   </p:defaultTextStyle>
-  <p:extLst>
-    <p:ext uri="{EFAFB233-063F-42B5-8137-9DF3F51BA10A}">
-      <p15:sldGuideLst xmlns:p15="http://schemas.microsoft.com/office/powerpoint/2012/main" xmlns="">
-        <p15:guide id="1" orient="horz" pos="2160">
-          <p15:clr>
-            <a:srgbClr val="A4A3A4"/>
-          </p15:clr>
-        </p15:guide>
-        <p15:guide id="2" pos="3840">
-          <p15:clr>
-            <a:srgbClr val="A4A3A4"/>
-          </p15:clr>
-        </p15:guide>
-      </p15:sldGuideLst>
-    </p:ext>
-  </p:extLst>
 </p:presentation>
 </file>
 
@@ -261,7 +246,6 @@
           <a:p>
             <a:fld id="{62CA84BA-F2B6-314A-A1D6-F2D08703B012}" type="datetimeFigureOut">
               <a:rPr kumimoji="1" lang="zh-CN" altLang="en-US" smtClean="0"/>
-              <a:t>08/09/18</a:t>
             </a:fld>
             <a:endParaRPr kumimoji="1" lang="zh-CN" altLang="en-US"/>
           </a:p>
@@ -303,18 +287,12 @@
           <a:p>
             <a:fld id="{1987C556-0C30-0044-9FA6-F2F6B7C68BBF}" type="slidenum">
               <a:rPr kumimoji="1" lang="zh-CN" altLang="en-US" smtClean="0"/>
-              <a:t>‹#›</a:t>
             </a:fld>
             <a:endParaRPr kumimoji="1" lang="zh-CN" altLang="en-US"/>
           </a:p>
         </p:txBody>
       </p:sp>
     </p:spTree>
-    <p:extLst>
-      <p:ext uri="{BB962C8B-B14F-4D97-AF65-F5344CB8AC3E}">
-        <p14:creationId xmlns:p14="http://schemas.microsoft.com/office/powerpoint/2010/main" val="26882434"/>
-      </p:ext>
-    </p:extLst>
   </p:cSld>
   <p:clrMapOvr>
     <a:masterClrMapping/>
@@ -382,6 +360,7 @@
               <a:rPr kumimoji="1" lang="zh-CN" altLang="en-US" smtClean="0"/>
               <a:t>单击此处编辑母版文本样式</a:t>
             </a:r>
+            <a:endParaRPr kumimoji="1" lang="zh-CN" altLang="en-US" smtClean="0"/>
           </a:p>
           <a:p>
             <a:pPr lvl="1"/>
@@ -389,6 +368,7 @@
               <a:rPr kumimoji="1" lang="zh-CN" altLang="en-US" smtClean="0"/>
               <a:t>二级</a:t>
             </a:r>
+            <a:endParaRPr kumimoji="1" lang="zh-CN" altLang="en-US" smtClean="0"/>
           </a:p>
           <a:p>
             <a:pPr lvl="2"/>
@@ -396,6 +376,7 @@
               <a:rPr kumimoji="1" lang="zh-CN" altLang="en-US" smtClean="0"/>
               <a:t>三级</a:t>
             </a:r>
+            <a:endParaRPr kumimoji="1" lang="zh-CN" altLang="en-US" smtClean="0"/>
           </a:p>
           <a:p>
             <a:pPr lvl="3"/>
@@ -403,6 +384,7 @@
               <a:rPr kumimoji="1" lang="zh-CN" altLang="en-US" smtClean="0"/>
               <a:t>四级</a:t>
             </a:r>
+            <a:endParaRPr kumimoji="1" lang="zh-CN" altLang="en-US" smtClean="0"/>
           </a:p>
           <a:p>
             <a:pPr lvl="4"/>
@@ -431,7 +413,6 @@
           <a:p>
             <a:fld id="{62CA84BA-F2B6-314A-A1D6-F2D08703B012}" type="datetimeFigureOut">
               <a:rPr kumimoji="1" lang="zh-CN" altLang="en-US" smtClean="0"/>
-              <a:t>08/09/18</a:t>
             </a:fld>
             <a:endParaRPr kumimoji="1" lang="zh-CN" altLang="en-US"/>
           </a:p>
@@ -473,18 +454,12 @@
           <a:p>
             <a:fld id="{1987C556-0C30-0044-9FA6-F2F6B7C68BBF}" type="slidenum">
               <a:rPr kumimoji="1" lang="zh-CN" altLang="en-US" smtClean="0"/>
-              <a:t>‹#›</a:t>
             </a:fld>
             <a:endParaRPr kumimoji="1" lang="zh-CN" altLang="en-US"/>
           </a:p>
         </p:txBody>
       </p:sp>
     </p:spTree>
-    <p:extLst>
-      <p:ext uri="{BB962C8B-B14F-4D97-AF65-F5344CB8AC3E}">
-        <p14:creationId xmlns:p14="http://schemas.microsoft.com/office/powerpoint/2010/main" val="546725619"/>
-      </p:ext>
-    </p:extLst>
   </p:cSld>
   <p:clrMapOvr>
     <a:masterClrMapping/>
@@ -562,6 +537,7 @@
               <a:rPr kumimoji="1" lang="zh-CN" altLang="en-US" smtClean="0"/>
               <a:t>单击此处编辑母版文本样式</a:t>
             </a:r>
+            <a:endParaRPr kumimoji="1" lang="zh-CN" altLang="en-US" smtClean="0"/>
           </a:p>
           <a:p>
             <a:pPr lvl="1"/>
@@ -569,6 +545,7 @@
               <a:rPr kumimoji="1" lang="zh-CN" altLang="en-US" smtClean="0"/>
               <a:t>二级</a:t>
             </a:r>
+            <a:endParaRPr kumimoji="1" lang="zh-CN" altLang="en-US" smtClean="0"/>
           </a:p>
           <a:p>
             <a:pPr lvl="2"/>
@@ -576,6 +553,7 @@
               <a:rPr kumimoji="1" lang="zh-CN" altLang="en-US" smtClean="0"/>
               <a:t>三级</a:t>
             </a:r>
+            <a:endParaRPr kumimoji="1" lang="zh-CN" altLang="en-US" smtClean="0"/>
           </a:p>
           <a:p>
             <a:pPr lvl="3"/>
@@ -583,6 +561,7 @@
               <a:rPr kumimoji="1" lang="zh-CN" altLang="en-US" smtClean="0"/>
               <a:t>四级</a:t>
             </a:r>
+            <a:endParaRPr kumimoji="1" lang="zh-CN" altLang="en-US" smtClean="0"/>
           </a:p>
           <a:p>
             <a:pPr lvl="4"/>
@@ -611,7 +590,6 @@
           <a:p>
             <a:fld id="{62CA84BA-F2B6-314A-A1D6-F2D08703B012}" type="datetimeFigureOut">
               <a:rPr kumimoji="1" lang="zh-CN" altLang="en-US" smtClean="0"/>
-              <a:t>08/09/18</a:t>
             </a:fld>
             <a:endParaRPr kumimoji="1" lang="zh-CN" altLang="en-US"/>
           </a:p>
@@ -653,18 +631,12 @@
           <a:p>
             <a:fld id="{1987C556-0C30-0044-9FA6-F2F6B7C68BBF}" type="slidenum">
               <a:rPr kumimoji="1" lang="zh-CN" altLang="en-US" smtClean="0"/>
-              <a:t>‹#›</a:t>
             </a:fld>
             <a:endParaRPr kumimoji="1" lang="zh-CN" altLang="en-US"/>
           </a:p>
         </p:txBody>
       </p:sp>
     </p:spTree>
-    <p:extLst>
-      <p:ext uri="{BB962C8B-B14F-4D97-AF65-F5344CB8AC3E}">
-        <p14:creationId xmlns:p14="http://schemas.microsoft.com/office/powerpoint/2010/main" val="1882436667"/>
-      </p:ext>
-    </p:extLst>
   </p:cSld>
   <p:clrMapOvr>
     <a:masterClrMapping/>
@@ -732,6 +704,7 @@
               <a:rPr kumimoji="1" lang="zh-CN" altLang="en-US" smtClean="0"/>
               <a:t>单击此处编辑母版文本样式</a:t>
             </a:r>
+            <a:endParaRPr kumimoji="1" lang="zh-CN" altLang="en-US" smtClean="0"/>
           </a:p>
           <a:p>
             <a:pPr lvl="1"/>
@@ -739,6 +712,7 @@
               <a:rPr kumimoji="1" lang="zh-CN" altLang="en-US" smtClean="0"/>
               <a:t>二级</a:t>
             </a:r>
+            <a:endParaRPr kumimoji="1" lang="zh-CN" altLang="en-US" smtClean="0"/>
           </a:p>
           <a:p>
             <a:pPr lvl="2"/>
@@ -746,6 +720,7 @@
               <a:rPr kumimoji="1" lang="zh-CN" altLang="en-US" smtClean="0"/>
               <a:t>三级</a:t>
             </a:r>
+            <a:endParaRPr kumimoji="1" lang="zh-CN" altLang="en-US" smtClean="0"/>
           </a:p>
           <a:p>
             <a:pPr lvl="3"/>
@@ -753,6 +728,7 @@
               <a:rPr kumimoji="1" lang="zh-CN" altLang="en-US" smtClean="0"/>
               <a:t>四级</a:t>
             </a:r>
+            <a:endParaRPr kumimoji="1" lang="zh-CN" altLang="en-US" smtClean="0"/>
           </a:p>
           <a:p>
             <a:pPr lvl="4"/>
@@ -781,7 +757,6 @@
           <a:p>
             <a:fld id="{62CA84BA-F2B6-314A-A1D6-F2D08703B012}" type="datetimeFigureOut">
               <a:rPr kumimoji="1" lang="zh-CN" altLang="en-US" smtClean="0"/>
-              <a:t>08/09/18</a:t>
             </a:fld>
             <a:endParaRPr kumimoji="1" lang="zh-CN" altLang="en-US"/>
           </a:p>
@@ -823,18 +798,12 @@
           <a:p>
             <a:fld id="{1987C556-0C30-0044-9FA6-F2F6B7C68BBF}" type="slidenum">
               <a:rPr kumimoji="1" lang="zh-CN" altLang="en-US" smtClean="0"/>
-              <a:t>‹#›</a:t>
             </a:fld>
             <a:endParaRPr kumimoji="1" lang="zh-CN" altLang="en-US"/>
           </a:p>
         </p:txBody>
       </p:sp>
     </p:spTree>
-    <p:extLst>
-      <p:ext uri="{BB962C8B-B14F-4D97-AF65-F5344CB8AC3E}">
-        <p14:creationId xmlns:p14="http://schemas.microsoft.com/office/powerpoint/2010/main" val="331330269"/>
-      </p:ext>
-    </p:extLst>
   </p:cSld>
   <p:clrMapOvr>
     <a:masterClrMapping/>
@@ -1007,6 +976,7 @@
               <a:rPr kumimoji="1" lang="zh-CN" altLang="en-US" smtClean="0"/>
               <a:t>单击此处编辑母版文本样式</a:t>
             </a:r>
+            <a:endParaRPr kumimoji="1" lang="zh-CN" altLang="en-US" smtClean="0"/>
           </a:p>
         </p:txBody>
       </p:sp>
@@ -1027,7 +997,6 @@
           <a:p>
             <a:fld id="{62CA84BA-F2B6-314A-A1D6-F2D08703B012}" type="datetimeFigureOut">
               <a:rPr kumimoji="1" lang="zh-CN" altLang="en-US" smtClean="0"/>
-              <a:t>08/09/18</a:t>
             </a:fld>
             <a:endParaRPr kumimoji="1" lang="zh-CN" altLang="en-US"/>
           </a:p>
@@ -1069,18 +1038,12 @@
           <a:p>
             <a:fld id="{1987C556-0C30-0044-9FA6-F2F6B7C68BBF}" type="slidenum">
               <a:rPr kumimoji="1" lang="zh-CN" altLang="en-US" smtClean="0"/>
-              <a:t>‹#›</a:t>
             </a:fld>
             <a:endParaRPr kumimoji="1" lang="zh-CN" altLang="en-US"/>
           </a:p>
         </p:txBody>
       </p:sp>
     </p:spTree>
-    <p:extLst>
-      <p:ext uri="{BB962C8B-B14F-4D97-AF65-F5344CB8AC3E}">
-        <p14:creationId xmlns:p14="http://schemas.microsoft.com/office/powerpoint/2010/main" val="242734412"/>
-      </p:ext>
-    </p:extLst>
   </p:cSld>
   <p:clrMapOvr>
     <a:masterClrMapping/>
@@ -1153,6 +1116,7 @@
               <a:rPr kumimoji="1" lang="zh-CN" altLang="en-US" smtClean="0"/>
               <a:t>单击此处编辑母版文本样式</a:t>
             </a:r>
+            <a:endParaRPr kumimoji="1" lang="zh-CN" altLang="en-US" smtClean="0"/>
           </a:p>
           <a:p>
             <a:pPr lvl="1"/>
@@ -1160,6 +1124,7 @@
               <a:rPr kumimoji="1" lang="zh-CN" altLang="en-US" smtClean="0"/>
               <a:t>二级</a:t>
             </a:r>
+            <a:endParaRPr kumimoji="1" lang="zh-CN" altLang="en-US" smtClean="0"/>
           </a:p>
           <a:p>
             <a:pPr lvl="2"/>
@@ -1167,6 +1132,7 @@
               <a:rPr kumimoji="1" lang="zh-CN" altLang="en-US" smtClean="0"/>
               <a:t>三级</a:t>
             </a:r>
+            <a:endParaRPr kumimoji="1" lang="zh-CN" altLang="en-US" smtClean="0"/>
           </a:p>
           <a:p>
             <a:pPr lvl="3"/>
@@ -1174,6 +1140,7 @@
               <a:rPr kumimoji="1" lang="zh-CN" altLang="en-US" smtClean="0"/>
               <a:t>四级</a:t>
             </a:r>
+            <a:endParaRPr kumimoji="1" lang="zh-CN" altLang="en-US" smtClean="0"/>
           </a:p>
           <a:p>
             <a:pPr lvl="4"/>
@@ -1210,6 +1177,7 @@
               <a:rPr kumimoji="1" lang="zh-CN" altLang="en-US" smtClean="0"/>
               <a:t>单击此处编辑母版文本样式</a:t>
             </a:r>
+            <a:endParaRPr kumimoji="1" lang="zh-CN" altLang="en-US" smtClean="0"/>
           </a:p>
           <a:p>
             <a:pPr lvl="1"/>
@@ -1217,6 +1185,7 @@
               <a:rPr kumimoji="1" lang="zh-CN" altLang="en-US" smtClean="0"/>
               <a:t>二级</a:t>
             </a:r>
+            <a:endParaRPr kumimoji="1" lang="zh-CN" altLang="en-US" smtClean="0"/>
           </a:p>
           <a:p>
             <a:pPr lvl="2"/>
@@ -1224,6 +1193,7 @@
               <a:rPr kumimoji="1" lang="zh-CN" altLang="en-US" smtClean="0"/>
               <a:t>三级</a:t>
             </a:r>
+            <a:endParaRPr kumimoji="1" lang="zh-CN" altLang="en-US" smtClean="0"/>
           </a:p>
           <a:p>
             <a:pPr lvl="3"/>
@@ -1231,6 +1201,7 @@
               <a:rPr kumimoji="1" lang="zh-CN" altLang="en-US" smtClean="0"/>
               <a:t>四级</a:t>
             </a:r>
+            <a:endParaRPr kumimoji="1" lang="zh-CN" altLang="en-US" smtClean="0"/>
           </a:p>
           <a:p>
             <a:pPr lvl="4"/>
@@ -1259,7 +1230,6 @@
           <a:p>
             <a:fld id="{62CA84BA-F2B6-314A-A1D6-F2D08703B012}" type="datetimeFigureOut">
               <a:rPr kumimoji="1" lang="zh-CN" altLang="en-US" smtClean="0"/>
-              <a:t>08/09/18</a:t>
             </a:fld>
             <a:endParaRPr kumimoji="1" lang="zh-CN" altLang="en-US"/>
           </a:p>
@@ -1301,18 +1271,12 @@
           <a:p>
             <a:fld id="{1987C556-0C30-0044-9FA6-F2F6B7C68BBF}" type="slidenum">
               <a:rPr kumimoji="1" lang="zh-CN" altLang="en-US" smtClean="0"/>
-              <a:t>‹#›</a:t>
             </a:fld>
             <a:endParaRPr kumimoji="1" lang="zh-CN" altLang="en-US"/>
           </a:p>
         </p:txBody>
       </p:sp>
     </p:spTree>
-    <p:extLst>
-      <p:ext uri="{BB962C8B-B14F-4D97-AF65-F5344CB8AC3E}">
-        <p14:creationId xmlns:p14="http://schemas.microsoft.com/office/powerpoint/2010/main" val="1565816831"/>
-      </p:ext>
-    </p:extLst>
   </p:cSld>
   <p:clrMapOvr>
     <a:masterClrMapping/>
@@ -1427,6 +1391,7 @@
               <a:rPr kumimoji="1" lang="zh-CN" altLang="en-US" smtClean="0"/>
               <a:t>单击此处编辑母版文本样式</a:t>
             </a:r>
+            <a:endParaRPr kumimoji="1" lang="zh-CN" altLang="en-US" smtClean="0"/>
           </a:p>
         </p:txBody>
       </p:sp>
@@ -1455,6 +1420,7 @@
               <a:rPr kumimoji="1" lang="zh-CN" altLang="en-US" smtClean="0"/>
               <a:t>单击此处编辑母版文本样式</a:t>
             </a:r>
+            <a:endParaRPr kumimoji="1" lang="zh-CN" altLang="en-US" smtClean="0"/>
           </a:p>
           <a:p>
             <a:pPr lvl="1"/>
@@ -1462,6 +1428,7 @@
               <a:rPr kumimoji="1" lang="zh-CN" altLang="en-US" smtClean="0"/>
               <a:t>二级</a:t>
             </a:r>
+            <a:endParaRPr kumimoji="1" lang="zh-CN" altLang="en-US" smtClean="0"/>
           </a:p>
           <a:p>
             <a:pPr lvl="2"/>
@@ -1469,6 +1436,7 @@
               <a:rPr kumimoji="1" lang="zh-CN" altLang="en-US" smtClean="0"/>
               <a:t>三级</a:t>
             </a:r>
+            <a:endParaRPr kumimoji="1" lang="zh-CN" altLang="en-US" smtClean="0"/>
           </a:p>
           <a:p>
             <a:pPr lvl="3"/>
@@ -1476,6 +1444,7 @@
               <a:rPr kumimoji="1" lang="zh-CN" altLang="en-US" smtClean="0"/>
               <a:t>四级</a:t>
             </a:r>
+            <a:endParaRPr kumimoji="1" lang="zh-CN" altLang="en-US" smtClean="0"/>
           </a:p>
           <a:p>
             <a:pPr lvl="4"/>
@@ -1549,6 +1518,7 @@
               <a:rPr kumimoji="1" lang="zh-CN" altLang="en-US" smtClean="0"/>
               <a:t>单击此处编辑母版文本样式</a:t>
             </a:r>
+            <a:endParaRPr kumimoji="1" lang="zh-CN" altLang="en-US" smtClean="0"/>
           </a:p>
         </p:txBody>
       </p:sp>
@@ -1577,6 +1547,7 @@
               <a:rPr kumimoji="1" lang="zh-CN" altLang="en-US" smtClean="0"/>
               <a:t>单击此处编辑母版文本样式</a:t>
             </a:r>
+            <a:endParaRPr kumimoji="1" lang="zh-CN" altLang="en-US" smtClean="0"/>
           </a:p>
           <a:p>
             <a:pPr lvl="1"/>
@@ -1584,6 +1555,7 @@
               <a:rPr kumimoji="1" lang="zh-CN" altLang="en-US" smtClean="0"/>
               <a:t>二级</a:t>
             </a:r>
+            <a:endParaRPr kumimoji="1" lang="zh-CN" altLang="en-US" smtClean="0"/>
           </a:p>
           <a:p>
             <a:pPr lvl="2"/>
@@ -1591,6 +1563,7 @@
               <a:rPr kumimoji="1" lang="zh-CN" altLang="en-US" smtClean="0"/>
               <a:t>三级</a:t>
             </a:r>
+            <a:endParaRPr kumimoji="1" lang="zh-CN" altLang="en-US" smtClean="0"/>
           </a:p>
           <a:p>
             <a:pPr lvl="3"/>
@@ -1598,6 +1571,7 @@
               <a:rPr kumimoji="1" lang="zh-CN" altLang="en-US" smtClean="0"/>
               <a:t>四级</a:t>
             </a:r>
+            <a:endParaRPr kumimoji="1" lang="zh-CN" altLang="en-US" smtClean="0"/>
           </a:p>
           <a:p>
             <a:pPr lvl="4"/>
@@ -1626,7 +1600,6 @@
           <a:p>
             <a:fld id="{62CA84BA-F2B6-314A-A1D6-F2D08703B012}" type="datetimeFigureOut">
               <a:rPr kumimoji="1" lang="zh-CN" altLang="en-US" smtClean="0"/>
-              <a:t>08/09/18</a:t>
             </a:fld>
             <a:endParaRPr kumimoji="1" lang="zh-CN" altLang="en-US"/>
           </a:p>
@@ -1668,18 +1641,12 @@
           <a:p>
             <a:fld id="{1987C556-0C30-0044-9FA6-F2F6B7C68BBF}" type="slidenum">
               <a:rPr kumimoji="1" lang="zh-CN" altLang="en-US" smtClean="0"/>
-              <a:t>‹#›</a:t>
             </a:fld>
             <a:endParaRPr kumimoji="1" lang="zh-CN" altLang="en-US"/>
           </a:p>
         </p:txBody>
       </p:sp>
     </p:spTree>
-    <p:extLst>
-      <p:ext uri="{BB962C8B-B14F-4D97-AF65-F5344CB8AC3E}">
-        <p14:creationId xmlns:p14="http://schemas.microsoft.com/office/powerpoint/2010/main" val="1418868279"/>
-      </p:ext>
-    </p:extLst>
   </p:cSld>
   <p:clrMapOvr>
     <a:masterClrMapping/>
@@ -1744,7 +1711,6 @@
           <a:p>
             <a:fld id="{62CA84BA-F2B6-314A-A1D6-F2D08703B012}" type="datetimeFigureOut">
               <a:rPr kumimoji="1" lang="zh-CN" altLang="en-US" smtClean="0"/>
-              <a:t>08/09/18</a:t>
             </a:fld>
             <a:endParaRPr kumimoji="1" lang="zh-CN" altLang="en-US"/>
           </a:p>
@@ -1786,18 +1752,12 @@
           <a:p>
             <a:fld id="{1987C556-0C30-0044-9FA6-F2F6B7C68BBF}" type="slidenum">
               <a:rPr kumimoji="1" lang="zh-CN" altLang="en-US" smtClean="0"/>
-              <a:t>‹#›</a:t>
             </a:fld>
             <a:endParaRPr kumimoji="1" lang="zh-CN" altLang="en-US"/>
           </a:p>
         </p:txBody>
       </p:sp>
     </p:spTree>
-    <p:extLst>
-      <p:ext uri="{BB962C8B-B14F-4D97-AF65-F5344CB8AC3E}">
-        <p14:creationId xmlns:p14="http://schemas.microsoft.com/office/powerpoint/2010/main" val="1260748865"/>
-      </p:ext>
-    </p:extLst>
   </p:cSld>
   <p:clrMapOvr>
     <a:masterClrMapping/>
@@ -1839,7 +1799,6 @@
           <a:p>
             <a:fld id="{62CA84BA-F2B6-314A-A1D6-F2D08703B012}" type="datetimeFigureOut">
               <a:rPr kumimoji="1" lang="zh-CN" altLang="en-US" smtClean="0"/>
-              <a:t>08/09/18</a:t>
             </a:fld>
             <a:endParaRPr kumimoji="1" lang="zh-CN" altLang="en-US"/>
           </a:p>
@@ -1881,18 +1840,12 @@
           <a:p>
             <a:fld id="{1987C556-0C30-0044-9FA6-F2F6B7C68BBF}" type="slidenum">
               <a:rPr kumimoji="1" lang="zh-CN" altLang="en-US" smtClean="0"/>
-              <a:t>‹#›</a:t>
             </a:fld>
             <a:endParaRPr kumimoji="1" lang="zh-CN" altLang="en-US"/>
           </a:p>
         </p:txBody>
       </p:sp>
     </p:spTree>
-    <p:extLst>
-      <p:ext uri="{BB962C8B-B14F-4D97-AF65-F5344CB8AC3E}">
-        <p14:creationId xmlns:p14="http://schemas.microsoft.com/office/powerpoint/2010/main" val="185029106"/>
-      </p:ext>
-    </p:extLst>
   </p:cSld>
   <p:clrMapOvr>
     <a:masterClrMapping/>
@@ -2002,6 +1955,7 @@
               <a:rPr kumimoji="1" lang="zh-CN" altLang="en-US" smtClean="0"/>
               <a:t>单击此处编辑母版文本样式</a:t>
             </a:r>
+            <a:endParaRPr kumimoji="1" lang="zh-CN" altLang="en-US" smtClean="0"/>
           </a:p>
           <a:p>
             <a:pPr lvl="1"/>
@@ -2009,6 +1963,7 @@
               <a:rPr kumimoji="1" lang="zh-CN" altLang="en-US" smtClean="0"/>
               <a:t>二级</a:t>
             </a:r>
+            <a:endParaRPr kumimoji="1" lang="zh-CN" altLang="en-US" smtClean="0"/>
           </a:p>
           <a:p>
             <a:pPr lvl="2"/>
@@ -2016,6 +1971,7 @@
               <a:rPr kumimoji="1" lang="zh-CN" altLang="en-US" smtClean="0"/>
               <a:t>三级</a:t>
             </a:r>
+            <a:endParaRPr kumimoji="1" lang="zh-CN" altLang="en-US" smtClean="0"/>
           </a:p>
           <a:p>
             <a:pPr lvl="3"/>
@@ -2023,6 +1979,7 @@
               <a:rPr kumimoji="1" lang="zh-CN" altLang="en-US" smtClean="0"/>
               <a:t>四级</a:t>
             </a:r>
+            <a:endParaRPr kumimoji="1" lang="zh-CN" altLang="en-US" smtClean="0"/>
           </a:p>
           <a:p>
             <a:pPr lvl="4"/>
@@ -2096,6 +2053,7 @@
               <a:rPr kumimoji="1" lang="zh-CN" altLang="en-US" smtClean="0"/>
               <a:t>单击此处编辑母版文本样式</a:t>
             </a:r>
+            <a:endParaRPr kumimoji="1" lang="zh-CN" altLang="en-US" smtClean="0"/>
           </a:p>
         </p:txBody>
       </p:sp>
@@ -2116,7 +2074,6 @@
           <a:p>
             <a:fld id="{62CA84BA-F2B6-314A-A1D6-F2D08703B012}" type="datetimeFigureOut">
               <a:rPr kumimoji="1" lang="zh-CN" altLang="en-US" smtClean="0"/>
-              <a:t>08/09/18</a:t>
             </a:fld>
             <a:endParaRPr kumimoji="1" lang="zh-CN" altLang="en-US"/>
           </a:p>
@@ -2158,18 +2115,12 @@
           <a:p>
             <a:fld id="{1987C556-0C30-0044-9FA6-F2F6B7C68BBF}" type="slidenum">
               <a:rPr kumimoji="1" lang="zh-CN" altLang="en-US" smtClean="0"/>
-              <a:t>‹#›</a:t>
             </a:fld>
             <a:endParaRPr kumimoji="1" lang="zh-CN" altLang="en-US"/>
           </a:p>
         </p:txBody>
       </p:sp>
     </p:spTree>
-    <p:extLst>
-      <p:ext uri="{BB962C8B-B14F-4D97-AF65-F5344CB8AC3E}">
-        <p14:creationId xmlns:p14="http://schemas.microsoft.com/office/powerpoint/2010/main" val="227863686"/>
-      </p:ext>
-    </p:extLst>
   </p:cSld>
   <p:clrMapOvr>
     <a:masterClrMapping/>
@@ -2349,6 +2300,7 @@
               <a:rPr kumimoji="1" lang="zh-CN" altLang="en-US" smtClean="0"/>
               <a:t>单击此处编辑母版文本样式</a:t>
             </a:r>
+            <a:endParaRPr kumimoji="1" lang="zh-CN" altLang="en-US" smtClean="0"/>
           </a:p>
         </p:txBody>
       </p:sp>
@@ -2369,7 +2321,6 @@
           <a:p>
             <a:fld id="{62CA84BA-F2B6-314A-A1D6-F2D08703B012}" type="datetimeFigureOut">
               <a:rPr kumimoji="1" lang="zh-CN" altLang="en-US" smtClean="0"/>
-              <a:t>08/09/18</a:t>
             </a:fld>
             <a:endParaRPr kumimoji="1" lang="zh-CN" altLang="en-US"/>
           </a:p>
@@ -2411,18 +2362,12 @@
           <a:p>
             <a:fld id="{1987C556-0C30-0044-9FA6-F2F6B7C68BBF}" type="slidenum">
               <a:rPr kumimoji="1" lang="zh-CN" altLang="en-US" smtClean="0"/>
-              <a:t>‹#›</a:t>
             </a:fld>
             <a:endParaRPr kumimoji="1" lang="zh-CN" altLang="en-US"/>
           </a:p>
         </p:txBody>
       </p:sp>
     </p:spTree>
-    <p:extLst>
-      <p:ext uri="{BB962C8B-B14F-4D97-AF65-F5344CB8AC3E}">
-        <p14:creationId xmlns:p14="http://schemas.microsoft.com/office/powerpoint/2010/main" val="741628001"/>
-      </p:ext>
-    </p:extLst>
   </p:cSld>
   <p:clrMapOvr>
     <a:masterClrMapping/>
@@ -2515,6 +2460,7 @@
               <a:rPr kumimoji="1" lang="zh-CN" altLang="en-US" smtClean="0"/>
               <a:t>单击此处编辑母版文本样式</a:t>
             </a:r>
+            <a:endParaRPr kumimoji="1" lang="zh-CN" altLang="en-US" smtClean="0"/>
           </a:p>
           <a:p>
             <a:pPr lvl="1"/>
@@ -2522,6 +2468,7 @@
               <a:rPr kumimoji="1" lang="zh-CN" altLang="en-US" smtClean="0"/>
               <a:t>二级</a:t>
             </a:r>
+            <a:endParaRPr kumimoji="1" lang="zh-CN" altLang="en-US" smtClean="0"/>
           </a:p>
           <a:p>
             <a:pPr lvl="2"/>
@@ -2529,6 +2476,7 @@
               <a:rPr kumimoji="1" lang="zh-CN" altLang="en-US" smtClean="0"/>
               <a:t>三级</a:t>
             </a:r>
+            <a:endParaRPr kumimoji="1" lang="zh-CN" altLang="en-US" smtClean="0"/>
           </a:p>
           <a:p>
             <a:pPr lvl="3"/>
@@ -2536,6 +2484,7 @@
               <a:rPr kumimoji="1" lang="zh-CN" altLang="en-US" smtClean="0"/>
               <a:t>四级</a:t>
             </a:r>
+            <a:endParaRPr kumimoji="1" lang="zh-CN" altLang="en-US" smtClean="0"/>
           </a:p>
           <a:p>
             <a:pPr lvl="4"/>
@@ -2582,7 +2531,6 @@
           <a:p>
             <a:fld id="{62CA84BA-F2B6-314A-A1D6-F2D08703B012}" type="datetimeFigureOut">
               <a:rPr kumimoji="1" lang="zh-CN" altLang="en-US" smtClean="0"/>
-              <a:t>08/09/18</a:t>
             </a:fld>
             <a:endParaRPr kumimoji="1" lang="zh-CN" altLang="en-US"/>
           </a:p>
@@ -2660,18 +2608,12 @@
           <a:p>
             <a:fld id="{1987C556-0C30-0044-9FA6-F2F6B7C68BBF}" type="slidenum">
               <a:rPr kumimoji="1" lang="zh-CN" altLang="en-US" smtClean="0"/>
-              <a:t>‹#›</a:t>
             </a:fld>
             <a:endParaRPr kumimoji="1" lang="zh-CN" altLang="en-US"/>
           </a:p>
         </p:txBody>
       </p:sp>
     </p:spTree>
-    <p:extLst>
-      <p:ext uri="{BB962C8B-B14F-4D97-AF65-F5344CB8AC3E}">
-        <p14:creationId xmlns:p14="http://schemas.microsoft.com/office/powerpoint/2010/main" val="1891938909"/>
-      </p:ext>
-    </p:extLst>
   </p:cSld>
   <p:clrMap bg1="lt1" tx1="dk1" bg2="lt2" tx2="dk2" accent1="accent1" accent2="accent2" accent3="accent3" accent4="accent4" accent5="accent5" accent6="accent6" hlink="hlink" folHlink="folHlink"/>
   <p:sldLayoutIdLst>
@@ -2715,7 +2657,7 @@
         <a:spcBef>
           <a:spcPts val="1000"/>
         </a:spcBef>
-        <a:buFont typeface="Arial"/>
+        <a:buFont typeface="Arial" panose="020B0604020202020204"/>
         <a:buChar char="•"/>
         <a:defRPr sz="2800" kern="1200">
           <a:solidFill>
@@ -2733,7 +2675,7 @@
         <a:spcBef>
           <a:spcPts val="500"/>
         </a:spcBef>
-        <a:buFont typeface="Arial"/>
+        <a:buFont typeface="Arial" panose="020B0604020202020204"/>
         <a:buChar char="•"/>
         <a:defRPr sz="2400" kern="1200">
           <a:solidFill>
@@ -2751,7 +2693,7 @@
         <a:spcBef>
           <a:spcPts val="500"/>
         </a:spcBef>
-        <a:buFont typeface="Arial"/>
+        <a:buFont typeface="Arial" panose="020B0604020202020204"/>
         <a:buChar char="•"/>
         <a:defRPr sz="2000" kern="1200">
           <a:solidFill>
@@ -2769,7 +2711,7 @@
         <a:spcBef>
           <a:spcPts val="500"/>
         </a:spcBef>
-        <a:buFont typeface="Arial"/>
+        <a:buFont typeface="Arial" panose="020B0604020202020204"/>
         <a:buChar char="•"/>
         <a:defRPr sz="1800" kern="1200">
           <a:solidFill>
@@ -2787,7 +2729,7 @@
         <a:spcBef>
           <a:spcPts val="500"/>
         </a:spcBef>
-        <a:buFont typeface="Arial"/>
+        <a:buFont typeface="Arial" panose="020B0604020202020204"/>
         <a:buChar char="•"/>
         <a:defRPr sz="1800" kern="1200">
           <a:solidFill>
@@ -2805,7 +2747,7 @@
         <a:spcBef>
           <a:spcPts val="500"/>
         </a:spcBef>
-        <a:buFont typeface="Arial"/>
+        <a:buFont typeface="Arial" panose="020B0604020202020204"/>
         <a:buChar char="•"/>
         <a:defRPr sz="1800" kern="1200">
           <a:solidFill>
@@ -2823,7 +2765,7 @@
         <a:spcBef>
           <a:spcPts val="500"/>
         </a:spcBef>
-        <a:buFont typeface="Arial"/>
+        <a:buFont typeface="Arial" panose="020B0604020202020204"/>
         <a:buChar char="•"/>
         <a:defRPr sz="1800" kern="1200">
           <a:solidFill>
@@ -2841,7 +2783,7 @@
         <a:spcBef>
           <a:spcPts val="500"/>
         </a:spcBef>
-        <a:buFont typeface="Arial"/>
+        <a:buFont typeface="Arial" panose="020B0604020202020204"/>
         <a:buChar char="•"/>
         <a:defRPr sz="1800" kern="1200">
           <a:solidFill>
@@ -2859,7 +2801,7 @@
         <a:spcBef>
           <a:spcPts val="500"/>
         </a:spcBef>
-        <a:buFont typeface="Arial"/>
+        <a:buFont typeface="Arial" panose="020B0604020202020204"/>
         <a:buChar char="•"/>
         <a:defRPr sz="1800" kern="1200">
           <a:solidFill>
@@ -3895,11 +3837,6 @@
         </p:txBody>
       </p:sp>
     </p:spTree>
-    <p:extLst>
-      <p:ext uri="{BB962C8B-B14F-4D97-AF65-F5344CB8AC3E}">
-        <p14:creationId xmlns:p14="http://schemas.microsoft.com/office/powerpoint/2010/main" val="841502368"/>
-      </p:ext>
-    </p:extLst>
   </p:cSld>
   <p:clrMapOvr>
     <a:masterClrMapping/>
@@ -4740,11 +4677,6 @@
         </p:txBody>
       </p:sp>
     </p:spTree>
-    <p:extLst>
-      <p:ext uri="{BB962C8B-B14F-4D97-AF65-F5344CB8AC3E}">
-        <p14:creationId xmlns:p14="http://schemas.microsoft.com/office/powerpoint/2010/main" val="1692818217"/>
-      </p:ext>
-    </p:extLst>
   </p:cSld>
   <p:clrMapOvr>
     <a:masterClrMapping/>
@@ -5283,10 +5215,6 @@
               <a:rPr kumimoji="1" lang="zh-CN" altLang="en-US" dirty="0" smtClean="0"/>
               <a:t>电源</a:t>
             </a:r>
-            <a:r>
-              <a:rPr kumimoji="1" lang="en-US" altLang="zh-CN" dirty="0" smtClean="0"/>
-              <a:t/>
-            </a:r>
             <a:br>
               <a:rPr kumimoji="1" lang="en-US" altLang="zh-CN" dirty="0" smtClean="0"/>
             </a:br>
@@ -5337,10 +5265,6 @@
             <a:r>
               <a:rPr kumimoji="1" lang="zh-CN" altLang="en-US" dirty="0" smtClean="0"/>
               <a:t>温度传</a:t>
-            </a:r>
-            <a:r>
-              <a:rPr kumimoji="1" lang="en-US" altLang="zh-CN" dirty="0" smtClean="0"/>
-              <a:t/>
             </a:r>
             <a:br>
               <a:rPr kumimoji="1" lang="en-US" altLang="zh-CN" dirty="0" smtClean="0"/>
@@ -5559,10 +5483,6 @@
               <a:rPr kumimoji="1" lang="zh-CN" altLang="en-US" dirty="0" smtClean="0"/>
               <a:t>湿度传</a:t>
             </a:r>
-            <a:r>
-              <a:rPr kumimoji="1" lang="en-US" altLang="zh-CN" dirty="0" smtClean="0"/>
-              <a:t/>
-            </a:r>
             <a:br>
               <a:rPr kumimoji="1" lang="en-US" altLang="zh-CN" dirty="0" smtClean="0"/>
             </a:br>
@@ -5946,16 +5866,13 @@
               </a:rPr>
               <a:t>.</a:t>
             </a:r>
-          </a:p>
-          <a:p>
-            <a:r>
-              <a:rPr kumimoji="1" lang="en-US" altLang="zh-CN" dirty="0" smtClean="0">
-                <a:solidFill>
-                  <a:srgbClr val="7030A0"/>
-                </a:solidFill>
-              </a:rPr>
-              <a:t/>
-            </a:r>
+            <a:endParaRPr kumimoji="1" lang="en-US" altLang="zh-CN" dirty="0" smtClean="0">
+              <a:solidFill>
+                <a:srgbClr val="7030A0"/>
+              </a:solidFill>
+            </a:endParaRPr>
+          </a:p>
+          <a:p>
             <a:br>
               <a:rPr kumimoji="1" lang="en-US" altLang="zh-CN" dirty="0" smtClean="0">
                 <a:solidFill>
@@ -6067,16 +5984,13 @@
               </a:rPr>
               <a:t>.</a:t>
             </a:r>
-          </a:p>
-          <a:p>
-            <a:r>
-              <a:rPr kumimoji="1" lang="en-US" altLang="zh-CN" dirty="0" smtClean="0">
-                <a:solidFill>
-                  <a:srgbClr val="7030A0"/>
-                </a:solidFill>
-              </a:rPr>
-              <a:t/>
-            </a:r>
+            <a:endParaRPr kumimoji="1" lang="en-US" altLang="zh-CN" dirty="0" smtClean="0">
+              <a:solidFill>
+                <a:schemeClr val="accent6"/>
+              </a:solidFill>
+            </a:endParaRPr>
+          </a:p>
+          <a:p>
             <a:br>
               <a:rPr kumimoji="1" lang="en-US" altLang="zh-CN" dirty="0" smtClean="0">
                 <a:solidFill>
@@ -6254,6 +6168,13 @@
               </a:rPr>
               <a:t>.</a:t>
             </a:r>
+            <a:endParaRPr kumimoji="1" lang="en-US" altLang="zh-CN" dirty="0" smtClean="0">
+              <a:solidFill>
+                <a:schemeClr val="accent1">
+                  <a:lumMod val="75000"/>
+                </a:schemeClr>
+              </a:solidFill>
+            </a:endParaRPr>
           </a:p>
           <a:p>
             <a:endParaRPr kumimoji="1" lang="en-US" altLang="zh-CN" dirty="0">
@@ -6794,11 +6715,6 @@
         </p:style>
       </p:cxnSp>
     </p:spTree>
-    <p:extLst>
-      <p:ext uri="{BB962C8B-B14F-4D97-AF65-F5344CB8AC3E}">
-        <p14:creationId xmlns:p14="http://schemas.microsoft.com/office/powerpoint/2010/main" val="765347691"/>
-      </p:ext>
-    </p:extLst>
   </p:cSld>
   <p:clrMapOvr>
     <a:masterClrMapping/>
@@ -7011,10 +6927,6 @@
               <a:rPr kumimoji="1" lang="zh-CN" altLang="en-US" dirty="0" smtClean="0"/>
               <a:t>电池</a:t>
             </a:r>
-            <a:r>
-              <a:rPr kumimoji="1" lang="en-US" altLang="zh-CN" dirty="0" smtClean="0"/>
-              <a:t/>
-            </a:r>
             <a:br>
               <a:rPr kumimoji="1" lang="en-US" altLang="zh-CN" dirty="0" smtClean="0"/>
             </a:br>
@@ -7119,14 +7031,6 @@
             </a:endParaRPr>
           </a:p>
           <a:p>
-            <a:r>
-              <a:rPr kumimoji="1" lang="en-US" altLang="zh-CN" dirty="0" smtClean="0">
-                <a:solidFill>
-                  <a:srgbClr val="7030A0"/>
-                </a:solidFill>
-              </a:rPr>
-              <a:t/>
-            </a:r>
             <a:br>
               <a:rPr kumimoji="1" lang="en-US" altLang="zh-CN" dirty="0" smtClean="0">
                 <a:solidFill>
@@ -7284,16 +7188,13 @@
               </a:rPr>
               <a:t>.</a:t>
             </a:r>
-          </a:p>
-          <a:p>
-            <a:r>
-              <a:rPr kumimoji="1" lang="en-US" altLang="zh-CN" dirty="0" smtClean="0">
-                <a:solidFill>
-                  <a:srgbClr val="7030A0"/>
-                </a:solidFill>
-              </a:rPr>
-              <a:t/>
-            </a:r>
+            <a:endParaRPr kumimoji="1" lang="en-US" altLang="zh-CN" dirty="0" smtClean="0">
+              <a:solidFill>
+                <a:schemeClr val="accent6"/>
+              </a:solidFill>
+            </a:endParaRPr>
+          </a:p>
+          <a:p>
             <a:br>
               <a:rPr kumimoji="1" lang="en-US" altLang="zh-CN" dirty="0" smtClean="0">
                 <a:solidFill>
@@ -7390,7 +7291,7 @@
               </a:rPr>
               <a:t>闪一次，表示时间较准完成。</a:t>
             </a:r>
-            <a:r>
+            <a:br>
               <a:rPr kumimoji="1" lang="en-US" altLang="zh-CN" dirty="0" smtClean="0">
                 <a:solidFill>
                   <a:schemeClr val="accent1">
@@ -7398,9 +7299,8 @@
                   </a:schemeClr>
                 </a:solidFill>
               </a:rPr>
-              <a:t/>
-            </a:r>
-            <a:br>
+            </a:br>
+            <a:r>
               <a:rPr kumimoji="1" lang="en-US" altLang="zh-CN" dirty="0" smtClean="0">
                 <a:solidFill>
                   <a:schemeClr val="accent1">
@@ -7408,36 +7308,17 @@
                   </a:schemeClr>
                 </a:solidFill>
               </a:rPr>
-            </a:br>
-            <a:r>
-              <a:rPr kumimoji="1" lang="en-US" altLang="zh-CN" dirty="0" smtClean="0">
+              <a:t>L1</a:t>
+            </a:r>
+            <a:r>
+              <a:rPr kumimoji="1" lang="zh-CN" altLang="en-US" dirty="0" smtClean="0">
                 <a:solidFill>
                   <a:schemeClr val="accent1">
                     <a:lumMod val="75000"/>
                   </a:schemeClr>
                 </a:solidFill>
               </a:rPr>
-              <a:t>L1</a:t>
-            </a:r>
-            <a:r>
-              <a:rPr kumimoji="1" lang="zh-CN" altLang="en-US" dirty="0" smtClean="0">
-                <a:solidFill>
-                  <a:schemeClr val="accent1">
-                    <a:lumMod val="75000"/>
-                  </a:schemeClr>
-                </a:solidFill>
-              </a:rPr>
               <a:t>闪二次，表示计数恢复完成。</a:t>
-            </a:r>
-            <a:r>
-              <a:rPr kumimoji="1" lang="en-US" altLang="zh-CN" dirty="0" smtClean="0">
-                <a:solidFill>
-                  <a:schemeClr val="accent1">
-                    <a:lumMod val="75000"/>
-                  </a:schemeClr>
-                </a:solidFill>
-              </a:rPr>
-              <a:t/>
             </a:r>
             <a:br>
               <a:rPr kumimoji="1" lang="en-US" altLang="zh-CN" dirty="0" smtClean="0">
@@ -8255,11 +8136,6 @@
         </p:txBody>
       </p:sp>
     </p:spTree>
-    <p:extLst>
-      <p:ext uri="{BB962C8B-B14F-4D97-AF65-F5344CB8AC3E}">
-        <p14:creationId xmlns:p14="http://schemas.microsoft.com/office/powerpoint/2010/main" val="392110303"/>
-      </p:ext>
-    </p:extLst>
   </p:cSld>
   <p:clrMapOvr>
     <a:masterClrMapping/>
@@ -8424,10 +8300,6 @@
               <a:rPr kumimoji="1" lang="zh-CN" altLang="en-US" dirty="0" smtClean="0"/>
               <a:t>电池</a:t>
             </a:r>
-            <a:r>
-              <a:rPr kumimoji="1" lang="en-US" altLang="zh-CN" dirty="0" smtClean="0"/>
-              <a:t/>
-            </a:r>
             <a:br>
               <a:rPr kumimoji="1" lang="en-US" altLang="zh-CN" dirty="0" smtClean="0"/>
             </a:br>
@@ -8532,14 +8404,6 @@
             </a:endParaRPr>
           </a:p>
           <a:p>
-            <a:r>
-              <a:rPr kumimoji="1" lang="en-US" altLang="zh-CN" dirty="0" smtClean="0">
-                <a:solidFill>
-                  <a:srgbClr val="7030A0"/>
-                </a:solidFill>
-              </a:rPr>
-              <a:t/>
-            </a:r>
             <a:br>
               <a:rPr kumimoji="1" lang="en-US" altLang="zh-CN" dirty="0" smtClean="0">
                 <a:solidFill>
@@ -8697,16 +8561,13 @@
               </a:rPr>
               <a:t>.</a:t>
             </a:r>
-          </a:p>
-          <a:p>
-            <a:r>
-              <a:rPr kumimoji="1" lang="en-US" altLang="zh-CN" dirty="0" smtClean="0">
-                <a:solidFill>
-                  <a:srgbClr val="7030A0"/>
-                </a:solidFill>
-              </a:rPr>
-              <a:t/>
-            </a:r>
+            <a:endParaRPr kumimoji="1" lang="en-US" altLang="zh-CN" dirty="0" smtClean="0">
+              <a:solidFill>
+                <a:schemeClr val="accent6"/>
+              </a:solidFill>
+            </a:endParaRPr>
+          </a:p>
+          <a:p>
             <a:br>
               <a:rPr kumimoji="1" lang="en-US" altLang="zh-CN" dirty="0" smtClean="0">
                 <a:solidFill>
@@ -8803,7 +8664,7 @@
               </a:rPr>
               <a:t>闪一次，表示时间较准完成。</a:t>
             </a:r>
-            <a:r>
+            <a:br>
               <a:rPr kumimoji="1" lang="en-US" altLang="zh-CN" dirty="0" smtClean="0">
                 <a:solidFill>
                   <a:schemeClr val="accent1">
@@ -8811,9 +8672,8 @@
                   </a:schemeClr>
                 </a:solidFill>
               </a:rPr>
-              <a:t/>
-            </a:r>
-            <a:br>
+            </a:br>
+            <a:r>
               <a:rPr kumimoji="1" lang="en-US" altLang="zh-CN" dirty="0" smtClean="0">
                 <a:solidFill>
                   <a:schemeClr val="accent1">
@@ -8821,36 +8681,17 @@
                   </a:schemeClr>
                 </a:solidFill>
               </a:rPr>
-            </a:br>
-            <a:r>
-              <a:rPr kumimoji="1" lang="en-US" altLang="zh-CN" dirty="0" smtClean="0">
+              <a:t>L1</a:t>
+            </a:r>
+            <a:r>
+              <a:rPr kumimoji="1" lang="zh-CN" altLang="en-US" dirty="0" smtClean="0">
                 <a:solidFill>
                   <a:schemeClr val="accent1">
                     <a:lumMod val="75000"/>
                   </a:schemeClr>
                 </a:solidFill>
               </a:rPr>
-              <a:t>L1</a:t>
-            </a:r>
-            <a:r>
-              <a:rPr kumimoji="1" lang="zh-CN" altLang="en-US" dirty="0" smtClean="0">
-                <a:solidFill>
-                  <a:schemeClr val="accent1">
-                    <a:lumMod val="75000"/>
-                  </a:schemeClr>
-                </a:solidFill>
-              </a:rPr>
               <a:t>闪二次，表示计数恢复完成。</a:t>
-            </a:r>
-            <a:r>
-              <a:rPr kumimoji="1" lang="en-US" altLang="zh-CN" dirty="0" smtClean="0">
-                <a:solidFill>
-                  <a:schemeClr val="accent1">
-                    <a:lumMod val="75000"/>
-                  </a:schemeClr>
-                </a:solidFill>
-              </a:rPr>
-              <a:t/>
             </a:r>
             <a:br>
               <a:rPr kumimoji="1" lang="en-US" altLang="zh-CN" dirty="0" smtClean="0">
@@ -9781,11 +9622,6 @@
         </p:txBody>
       </p:sp>
     </p:spTree>
-    <p:extLst>
-      <p:ext uri="{BB962C8B-B14F-4D97-AF65-F5344CB8AC3E}">
-        <p14:creationId xmlns:p14="http://schemas.microsoft.com/office/powerpoint/2010/main" val="723391337"/>
-      </p:ext>
-    </p:extLst>
   </p:cSld>
   <p:clrMapOvr>
     <a:masterClrMapping/>
@@ -9819,7 +9655,7 @@
           <p:nvPr/>
         </p:nvPicPr>
         <p:blipFill>
-          <a:blip r:embed="rId2"/>
+          <a:blip r:embed="rId1"/>
           <a:stretch>
             <a:fillRect/>
           </a:stretch>
@@ -9891,6 +9727,7 @@
               <a:rPr lang="zh-CN" altLang="en-US" dirty="0"/>
               <a:t> </a:t>
             </a:r>
+            <a:endParaRPr lang="zh-CN" altLang="en-US" dirty="0"/>
           </a:p>
           <a:p>
             <a:r>
@@ -9924,6 +9761,7 @@
               <a:rPr lang="zh-CN" altLang="en-US" dirty="0"/>
               <a:t> </a:t>
             </a:r>
+            <a:endParaRPr lang="zh-CN" altLang="en-US" dirty="0"/>
           </a:p>
           <a:p>
             <a:r>
@@ -9989,6 +9827,7 @@
               <a:rPr lang="zh-CN" altLang="en-US" dirty="0"/>
               <a:t>：功能选择键，按一下调节小时，按两下调节分钟，按三下调节闹钟小时，按四下调节闹钟分钟，按五下时钟开始工作</a:t>
             </a:r>
+            <a:endParaRPr lang="zh-CN" altLang="en-US" dirty="0"/>
           </a:p>
           <a:p>
             <a:r>
@@ -10003,6 +9842,7 @@
               <a:rPr lang="zh-CN" altLang="en-US" dirty="0"/>
               <a:t>：数值加一按键（调节时间时相应光标闪烁）</a:t>
             </a:r>
+            <a:endParaRPr lang="zh-CN" altLang="en-US" dirty="0"/>
           </a:p>
           <a:p>
             <a:r>
@@ -10017,6 +9857,7 @@
               <a:rPr lang="zh-CN" altLang="en-US" dirty="0"/>
               <a:t>：数值减一按键（调节时间时相应光标闪烁）</a:t>
             </a:r>
+            <a:endParaRPr lang="zh-CN" altLang="en-US" dirty="0"/>
           </a:p>
           <a:p>
             <a:r>
@@ -10035,11 +9876,6 @@
         </p:txBody>
       </p:sp>
     </p:spTree>
-    <p:extLst>
-      <p:ext uri="{BB962C8B-B14F-4D97-AF65-F5344CB8AC3E}">
-        <p14:creationId xmlns:p14="http://schemas.microsoft.com/office/powerpoint/2010/main" val="1060855422"/>
-      </p:ext>
-    </p:extLst>
   </p:cSld>
   <p:clrMapOvr>
     <a:masterClrMapping/>
@@ -10073,7 +9909,7 @@
           <p:nvPr/>
         </p:nvPicPr>
         <p:blipFill>
-          <a:blip r:embed="rId2"/>
+          <a:blip r:embed="rId1"/>
           <a:stretch>
             <a:fillRect/>
           </a:stretch>
@@ -10097,7 +9933,7 @@
           <p:nvPr/>
         </p:nvPicPr>
         <p:blipFill>
-          <a:blip r:embed="rId3"/>
+          <a:blip r:embed="rId2"/>
           <a:stretch>
             <a:fillRect/>
           </a:stretch>
@@ -10121,7 +9957,7 @@
           <p:nvPr/>
         </p:nvPicPr>
         <p:blipFill>
-          <a:blip r:embed="rId4"/>
+          <a:blip r:embed="rId3"/>
           <a:stretch>
             <a:fillRect/>
           </a:stretch>
@@ -10137,11 +9973,6 @@
         </p:spPr>
       </p:pic>
     </p:spTree>
-    <p:extLst>
-      <p:ext uri="{BB962C8B-B14F-4D97-AF65-F5344CB8AC3E}">
-        <p14:creationId xmlns:p14="http://schemas.microsoft.com/office/powerpoint/2010/main" val="1970122100"/>
-      </p:ext>
-    </p:extLst>
   </p:cSld>
   <p:clrMapOvr>
     <a:masterClrMapping/>
@@ -10570,10 +10401,6 @@
               <a:rPr kumimoji="1" lang="zh-CN" altLang="en-US" dirty="0" smtClean="0"/>
               <a:t>电源</a:t>
             </a:r>
-            <a:r>
-              <a:rPr kumimoji="1" lang="en-US" altLang="zh-CN" dirty="0" smtClean="0"/>
-              <a:t/>
-            </a:r>
             <a:br>
               <a:rPr kumimoji="1" lang="en-US" altLang="zh-CN" dirty="0" smtClean="0"/>
             </a:br>
@@ -10628,10 +10455,6 @@
             <a:r>
               <a:rPr kumimoji="1" lang="zh-CN" altLang="en-US" dirty="0" smtClean="0"/>
               <a:t>温度传</a:t>
-            </a:r>
-            <a:r>
-              <a:rPr kumimoji="1" lang="en-US" altLang="zh-CN" dirty="0" smtClean="0"/>
-              <a:t/>
             </a:r>
             <a:br>
               <a:rPr kumimoji="1" lang="en-US" altLang="zh-CN" dirty="0" smtClean="0"/>
@@ -10851,11 +10674,7 @@
             </a:r>
             <a:r>
               <a:rPr kumimoji="1" lang="zh-CN" altLang="en-US" dirty="0" smtClean="0"/>
-              <a:t>控</a:t>
-            </a:r>
-            <a:r>
-              <a:rPr kumimoji="1" lang="zh-CN" altLang="en-US" dirty="0" smtClean="0"/>
-              <a:t>夜光灯</a:t>
+              <a:t>控夜光灯</a:t>
             </a:r>
             <a:endParaRPr kumimoji="1" lang="zh-CN" altLang="en-US" dirty="0"/>
           </a:p>
@@ -10939,31 +10758,15 @@
                   <a:srgbClr val="7030A0"/>
                 </a:solidFill>
               </a:rPr>
-              <a:t>1</a:t>
-            </a:r>
-            <a:r>
-              <a:rPr kumimoji="1" lang="en-US" altLang="zh-CN" sz="1400" dirty="0" smtClean="0">
+              <a:t>1)</a:t>
+            </a:r>
+            <a:r>
+              <a:rPr kumimoji="1" lang="zh-CN" altLang="en-US" sz="1400" dirty="0" smtClean="0">
                 <a:solidFill>
                   <a:srgbClr val="7030A0"/>
                 </a:solidFill>
               </a:rPr>
-              <a:t>)</a:t>
-            </a:r>
-            <a:r>
-              <a:rPr kumimoji="1" lang="zh-CN" altLang="en-US" sz="1400" dirty="0" smtClean="0">
-                <a:solidFill>
-                  <a:srgbClr val="7030A0"/>
-                </a:solidFill>
-              </a:rPr>
-              <a:t>、</a:t>
-            </a:r>
-            <a:r>
-              <a:rPr kumimoji="1" lang="zh-CN" altLang="en-US" sz="1400" dirty="0" smtClean="0">
-                <a:solidFill>
-                  <a:srgbClr val="7030A0"/>
-                </a:solidFill>
-              </a:rPr>
-              <a:t>按键</a:t>
+              <a:t>、按键</a:t>
             </a:r>
             <a:r>
               <a:rPr kumimoji="1" lang="en-US" altLang="zh-CN" sz="1400" dirty="0" smtClean="0">
@@ -11148,78 +10951,6 @@
                 </a:solidFill>
               </a:rPr>
               <a:t>.</a:t>
-            </a:r>
-          </a:p>
-          <a:p>
-            <a:r>
-              <a:rPr kumimoji="1" lang="zh-CN" altLang="zh-CN" sz="1400" dirty="0" smtClean="0">
-                <a:solidFill>
-                  <a:schemeClr val="accent1">
-                    <a:lumMod val="75000"/>
-                  </a:schemeClr>
-                </a:solidFill>
-              </a:rPr>
-              <a:t>4</a:t>
-            </a:r>
-            <a:r>
-              <a:rPr kumimoji="1" lang="en-US" altLang="zh-CN" sz="1400" dirty="0" smtClean="0">
-                <a:solidFill>
-                  <a:schemeClr val="accent1">
-                    <a:lumMod val="75000"/>
-                  </a:schemeClr>
-                </a:solidFill>
-              </a:rPr>
-              <a:t>)</a:t>
-            </a:r>
-            <a:r>
-              <a:rPr kumimoji="1" lang="zh-CN" altLang="en-US" sz="1400" dirty="0" smtClean="0">
-                <a:solidFill>
-                  <a:schemeClr val="accent1">
-                    <a:lumMod val="75000"/>
-                  </a:schemeClr>
-                </a:solidFill>
-              </a:rPr>
-              <a:t>、植物灯为定时任务，每天晚上</a:t>
-            </a:r>
-            <a:r>
-              <a:rPr kumimoji="1" lang="en-US" altLang="zh-CN" sz="1400" dirty="0" smtClean="0">
-                <a:solidFill>
-                  <a:schemeClr val="accent1">
-                    <a:lumMod val="75000"/>
-                  </a:schemeClr>
-                </a:solidFill>
-              </a:rPr>
-              <a:t>3</a:t>
-            </a:r>
-            <a:r>
-              <a:rPr kumimoji="1" lang="zh-CN" altLang="en-US" sz="1400" dirty="0" smtClean="0">
-                <a:solidFill>
-                  <a:schemeClr val="accent1">
-                    <a:lumMod val="75000"/>
-                  </a:schemeClr>
-                </a:solidFill>
-              </a:rPr>
-              <a:t>点开启</a:t>
-            </a:r>
-            <a:r>
-              <a:rPr kumimoji="1" lang="en-US" altLang="zh-CN" sz="1400" dirty="0" smtClean="0">
-                <a:solidFill>
-                  <a:schemeClr val="accent1">
-                    <a:lumMod val="75000"/>
-                  </a:schemeClr>
-                </a:solidFill>
-              </a:rPr>
-              <a:t>1</a:t>
-            </a:r>
-            <a:r>
-              <a:rPr kumimoji="1" lang="zh-CN" altLang="en-US" sz="1400" dirty="0" smtClean="0">
-                <a:solidFill>
-                  <a:schemeClr val="accent1">
-                    <a:lumMod val="75000"/>
-                  </a:schemeClr>
-                </a:solidFill>
-              </a:rPr>
-              <a:t>个小时。</a:t>
             </a:r>
             <a:endParaRPr kumimoji="1" lang="en-US" altLang="zh-CN" sz="1400" dirty="0" smtClean="0">
               <a:solidFill>
@@ -11238,7 +10969,7 @@
                   </a:schemeClr>
                 </a:solidFill>
               </a:rPr>
-              <a:t>5</a:t>
+              <a:t>4</a:t>
             </a:r>
             <a:r>
               <a:rPr kumimoji="1" lang="en-US" altLang="zh-CN" sz="1400" dirty="0" smtClean="0">
@@ -11258,7 +10989,7 @@
                   </a:schemeClr>
                 </a:solidFill>
               </a:rPr>
-              <a:t>、按键</a:t>
+              <a:t>、植物灯为定时任务，每天晚上</a:t>
             </a:r>
             <a:r>
               <a:rPr kumimoji="1" lang="en-US" altLang="zh-CN" sz="1400" dirty="0" smtClean="0">
@@ -11278,7 +11009,7 @@
                   </a:schemeClr>
                 </a:solidFill>
               </a:rPr>
-              <a:t>控制冲氧机开机</a:t>
+              <a:t>点开启</a:t>
             </a:r>
             <a:r>
               <a:rPr kumimoji="1" lang="en-US" altLang="zh-CN" sz="1400" dirty="0" smtClean="0">
@@ -11288,7 +11019,7 @@
                   </a:schemeClr>
                 </a:solidFill>
               </a:rPr>
-              <a:t>.</a:t>
+              <a:t>1</a:t>
             </a:r>
             <a:r>
               <a:rPr kumimoji="1" lang="zh-CN" altLang="en-US" sz="1400" dirty="0" smtClean="0">
@@ -11298,7 +11029,7 @@
                   </a:schemeClr>
                 </a:solidFill>
               </a:rPr>
-              <a:t>（初使为关闭）</a:t>
+              <a:t>个小时。</a:t>
             </a:r>
             <a:endParaRPr kumimoji="1" lang="en-US" altLang="zh-CN" sz="1400" dirty="0" smtClean="0">
               <a:solidFill>
@@ -11317,7 +11048,7 @@
                   </a:schemeClr>
                 </a:solidFill>
               </a:rPr>
-              <a:t>6</a:t>
+              <a:t>5</a:t>
             </a:r>
             <a:r>
               <a:rPr kumimoji="1" lang="en-US" altLang="zh-CN" sz="1400" dirty="0" smtClean="0">
@@ -11337,17 +11068,17 @@
                   </a:schemeClr>
                 </a:solidFill>
               </a:rPr>
-              <a:t>、冲氧机为定时任务，每天</a:t>
-            </a:r>
-            <a:r>
-              <a:rPr kumimoji="1" lang="zh-CN" altLang="zh-CN" sz="1400" dirty="0" smtClean="0">
+              <a:t>、按键</a:t>
+            </a:r>
+            <a:r>
+              <a:rPr kumimoji="1" lang="en-US" altLang="zh-CN" sz="1400" dirty="0" smtClean="0">
                 <a:solidFill>
                   <a:schemeClr val="accent1">
                     <a:lumMod val="75000"/>
                   </a:schemeClr>
                 </a:solidFill>
               </a:rPr>
-              <a:t>1</a:t>
+              <a:t>3</a:t>
             </a:r>
             <a:r>
               <a:rPr kumimoji="1" lang="zh-CN" altLang="en-US" sz="1400" dirty="0" smtClean="0">
@@ -11357,17 +11088,17 @@
                   </a:schemeClr>
                 </a:solidFill>
               </a:rPr>
-              <a:t>、</a:t>
-            </a:r>
-            <a:r>
-              <a:rPr kumimoji="1" lang="zh-CN" altLang="zh-CN" sz="1400" dirty="0" smtClean="0">
+              <a:t>控制冲氧机开机</a:t>
+            </a:r>
+            <a:r>
+              <a:rPr kumimoji="1" lang="en-US" altLang="zh-CN" sz="1400" dirty="0" smtClean="0">
                 <a:solidFill>
                   <a:schemeClr val="accent1">
                     <a:lumMod val="75000"/>
                   </a:schemeClr>
                 </a:solidFill>
               </a:rPr>
-              <a:t>6</a:t>
+              <a:t>.</a:t>
             </a:r>
             <a:r>
               <a:rPr kumimoji="1" lang="zh-CN" altLang="en-US" sz="1400" dirty="0" smtClean="0">
@@ -11377,179 +11108,7 @@
                   </a:schemeClr>
                 </a:solidFill>
               </a:rPr>
-              <a:t>、</a:t>
-            </a:r>
-            <a:r>
-              <a:rPr kumimoji="1" lang="zh-CN" altLang="zh-CN" sz="1400" dirty="0" smtClean="0">
-                <a:solidFill>
-                  <a:schemeClr val="accent1">
-                    <a:lumMod val="75000"/>
-                  </a:schemeClr>
-                </a:solidFill>
-              </a:rPr>
-              <a:t>1</a:t>
-            </a:r>
-            <a:r>
-              <a:rPr kumimoji="1" lang="en-US" altLang="zh-CN" sz="1400" dirty="0" smtClean="0">
-                <a:solidFill>
-                  <a:schemeClr val="accent1">
-                    <a:lumMod val="75000"/>
-                  </a:schemeClr>
-                </a:solidFill>
-              </a:rPr>
-              <a:t>1</a:t>
-            </a:r>
-            <a:r>
-              <a:rPr kumimoji="1" lang="zh-CN" altLang="en-US" sz="1400" dirty="0" smtClean="0">
-                <a:solidFill>
-                  <a:schemeClr val="accent1">
-                    <a:lumMod val="75000"/>
-                  </a:schemeClr>
-                </a:solidFill>
-              </a:rPr>
-              <a:t>、</a:t>
-            </a:r>
-            <a:r>
-              <a:rPr kumimoji="1" lang="en-US" altLang="zh-CN" sz="1400" dirty="0" smtClean="0">
-                <a:solidFill>
-                  <a:schemeClr val="accent1">
-                    <a:lumMod val="75000"/>
-                  </a:schemeClr>
-                </a:solidFill>
-              </a:rPr>
-              <a:t>16</a:t>
-            </a:r>
-            <a:r>
-              <a:rPr kumimoji="1" lang="zh-CN" altLang="en-US" sz="1400" dirty="0" smtClean="0">
-                <a:solidFill>
-                  <a:schemeClr val="accent1">
-                    <a:lumMod val="75000"/>
-                  </a:schemeClr>
-                </a:solidFill>
-              </a:rPr>
-              <a:t>、</a:t>
-            </a:r>
-            <a:r>
-              <a:rPr kumimoji="1" lang="zh-CN" altLang="zh-CN" sz="1400" dirty="0" smtClean="0">
-                <a:solidFill>
-                  <a:schemeClr val="accent1">
-                    <a:lumMod val="75000"/>
-                  </a:schemeClr>
-                </a:solidFill>
-              </a:rPr>
-              <a:t>2</a:t>
-            </a:r>
-            <a:r>
-              <a:rPr kumimoji="1" lang="en-US" altLang="zh-CN" sz="1400" dirty="0" smtClean="0">
-                <a:solidFill>
-                  <a:schemeClr val="accent1">
-                    <a:lumMod val="75000"/>
-                  </a:schemeClr>
-                </a:solidFill>
-              </a:rPr>
-              <a:t>1</a:t>
-            </a:r>
-            <a:r>
-              <a:rPr kumimoji="1" lang="zh-CN" altLang="en-US" sz="1400" dirty="0" smtClean="0">
-                <a:solidFill>
-                  <a:schemeClr val="accent1">
-                    <a:lumMod val="75000"/>
-                  </a:schemeClr>
-                </a:solidFill>
-              </a:rPr>
-              <a:t>开启</a:t>
-            </a:r>
-            <a:r>
-              <a:rPr kumimoji="1" lang="en-US" altLang="zh-CN" sz="1400" dirty="0" smtClean="0">
-                <a:solidFill>
-                  <a:schemeClr val="accent1">
-                    <a:lumMod val="75000"/>
-                  </a:schemeClr>
-                </a:solidFill>
-              </a:rPr>
-              <a:t>.</a:t>
-            </a:r>
-          </a:p>
-          <a:p>
-            <a:r>
-              <a:rPr kumimoji="1" lang="zh-CN" altLang="zh-CN" sz="1400" dirty="0" smtClean="0">
-                <a:solidFill>
-                  <a:schemeClr val="accent1">
-                    <a:lumMod val="75000"/>
-                  </a:schemeClr>
-                </a:solidFill>
-              </a:rPr>
-              <a:t>7</a:t>
-            </a:r>
-            <a:r>
-              <a:rPr kumimoji="1" lang="zh-CN" altLang="en-US" sz="1400" dirty="0">
-                <a:solidFill>
-                  <a:schemeClr val="accent1">
-                    <a:lumMod val="75000"/>
-                  </a:schemeClr>
-                </a:solidFill>
-              </a:rPr>
-              <a:t>)</a:t>
-            </a:r>
-            <a:r>
-              <a:rPr kumimoji="1" lang="zh-CN" altLang="zh-CN" sz="1400" dirty="0" smtClean="0">
-                <a:solidFill>
-                  <a:schemeClr val="accent1">
-                    <a:lumMod val="75000"/>
-                  </a:schemeClr>
-                </a:solidFill>
-              </a:rPr>
-              <a:t>、</a:t>
-            </a:r>
-            <a:r>
-              <a:rPr kumimoji="1" lang="zh-CN" altLang="en-US" sz="1400" dirty="0" smtClean="0">
-                <a:solidFill>
-                  <a:schemeClr val="accent1">
-                    <a:lumMod val="75000"/>
-                  </a:schemeClr>
-                </a:solidFill>
-              </a:rPr>
-              <a:t>按钮</a:t>
-            </a:r>
-            <a:r>
-              <a:rPr kumimoji="1" lang="en-US" altLang="zh-CN" sz="1400" dirty="0" smtClean="0">
-                <a:solidFill>
-                  <a:schemeClr val="accent1">
-                    <a:lumMod val="75000"/>
-                  </a:schemeClr>
-                </a:solidFill>
-              </a:rPr>
-              <a:t>4</a:t>
-            </a:r>
-            <a:r>
-              <a:rPr kumimoji="1" lang="zh-CN" altLang="en-US" sz="1400" dirty="0" smtClean="0">
-                <a:solidFill>
-                  <a:schemeClr val="accent1">
-                    <a:lumMod val="75000"/>
-                  </a:schemeClr>
-                </a:solidFill>
-              </a:rPr>
-              <a:t>控制显示</a:t>
-            </a:r>
-            <a:r>
-              <a:rPr kumimoji="1" lang="en-US" altLang="zh-CN" sz="1400" dirty="0" smtClean="0">
-                <a:solidFill>
-                  <a:schemeClr val="accent1">
-                    <a:lumMod val="75000"/>
-                  </a:schemeClr>
-                </a:solidFill>
-              </a:rPr>
-              <a:t>\</a:t>
-            </a:r>
-            <a:r>
-              <a:rPr kumimoji="1" lang="zh-CN" altLang="en-US" sz="1400" dirty="0" smtClean="0">
-                <a:solidFill>
-                  <a:schemeClr val="accent1">
-                    <a:lumMod val="75000"/>
-                  </a:schemeClr>
-                </a:solidFill>
-              </a:rPr>
-              <a:t>隐藏显示模块。</a:t>
+              <a:t>（初使为关闭）</a:t>
             </a:r>
             <a:endParaRPr kumimoji="1" lang="en-US" altLang="zh-CN" sz="1400" dirty="0" smtClean="0">
               <a:solidFill>
@@ -11568,7 +11127,7 @@
                   </a:schemeClr>
                 </a:solidFill>
               </a:rPr>
-              <a:t>8</a:t>
+              <a:t>6</a:t>
             </a:r>
             <a:r>
               <a:rPr kumimoji="1" lang="en-US" altLang="zh-CN" sz="1400" dirty="0" smtClean="0">
@@ -11588,17 +11147,17 @@
                   </a:schemeClr>
                 </a:solidFill>
               </a:rPr>
-              <a:t>、时</a:t>
-            </a:r>
-            <a:r>
-              <a:rPr kumimoji="1" lang="en-US" altLang="zh-CN" sz="1400" dirty="0" smtClean="0">
+              <a:t>、冲氧机为定时任务，每天</a:t>
+            </a:r>
+            <a:r>
+              <a:rPr kumimoji="1" lang="zh-CN" altLang="zh-CN" sz="1400" dirty="0" smtClean="0">
                 <a:solidFill>
                   <a:schemeClr val="accent1">
                     <a:lumMod val="75000"/>
                   </a:schemeClr>
                 </a:solidFill>
               </a:rPr>
-              <a:t>-</a:t>
+              <a:t>1</a:t>
             </a:r>
             <a:r>
               <a:rPr kumimoji="1" lang="zh-CN" altLang="en-US" sz="1400" dirty="0" smtClean="0">
@@ -11608,7 +11167,117 @@
                   </a:schemeClr>
                 </a:solidFill>
               </a:rPr>
-              <a:t>按键进行小时的减操作设定</a:t>
+              <a:t>、</a:t>
+            </a:r>
+            <a:r>
+              <a:rPr kumimoji="1" lang="zh-CN" altLang="zh-CN" sz="1400" dirty="0" smtClean="0">
+                <a:solidFill>
+                  <a:schemeClr val="accent1">
+                    <a:lumMod val="75000"/>
+                  </a:schemeClr>
+                </a:solidFill>
+              </a:rPr>
+              <a:t>6</a:t>
+            </a:r>
+            <a:r>
+              <a:rPr kumimoji="1" lang="zh-CN" altLang="en-US" sz="1400" dirty="0" smtClean="0">
+                <a:solidFill>
+                  <a:schemeClr val="accent1">
+                    <a:lumMod val="75000"/>
+                  </a:schemeClr>
+                </a:solidFill>
+              </a:rPr>
+              <a:t>、</a:t>
+            </a:r>
+            <a:r>
+              <a:rPr kumimoji="1" lang="zh-CN" altLang="zh-CN" sz="1400" dirty="0" smtClean="0">
+                <a:solidFill>
+                  <a:schemeClr val="accent1">
+                    <a:lumMod val="75000"/>
+                  </a:schemeClr>
+                </a:solidFill>
+              </a:rPr>
+              <a:t>1</a:t>
+            </a:r>
+            <a:r>
+              <a:rPr kumimoji="1" lang="en-US" altLang="zh-CN" sz="1400" dirty="0" smtClean="0">
+                <a:solidFill>
+                  <a:schemeClr val="accent1">
+                    <a:lumMod val="75000"/>
+                  </a:schemeClr>
+                </a:solidFill>
+              </a:rPr>
+              <a:t>1</a:t>
+            </a:r>
+            <a:r>
+              <a:rPr kumimoji="1" lang="zh-CN" altLang="en-US" sz="1400" dirty="0" smtClean="0">
+                <a:solidFill>
+                  <a:schemeClr val="accent1">
+                    <a:lumMod val="75000"/>
+                  </a:schemeClr>
+                </a:solidFill>
+              </a:rPr>
+              <a:t>、</a:t>
+            </a:r>
+            <a:r>
+              <a:rPr kumimoji="1" lang="en-US" altLang="zh-CN" sz="1400" dirty="0" smtClean="0">
+                <a:solidFill>
+                  <a:schemeClr val="accent1">
+                    <a:lumMod val="75000"/>
+                  </a:schemeClr>
+                </a:solidFill>
+              </a:rPr>
+              <a:t>16</a:t>
+            </a:r>
+            <a:r>
+              <a:rPr kumimoji="1" lang="zh-CN" altLang="en-US" sz="1400" dirty="0" smtClean="0">
+                <a:solidFill>
+                  <a:schemeClr val="accent1">
+                    <a:lumMod val="75000"/>
+                  </a:schemeClr>
+                </a:solidFill>
+              </a:rPr>
+              <a:t>、</a:t>
+            </a:r>
+            <a:r>
+              <a:rPr kumimoji="1" lang="zh-CN" altLang="zh-CN" sz="1400" dirty="0" smtClean="0">
+                <a:solidFill>
+                  <a:schemeClr val="accent1">
+                    <a:lumMod val="75000"/>
+                  </a:schemeClr>
+                </a:solidFill>
+              </a:rPr>
+              <a:t>2</a:t>
+            </a:r>
+            <a:r>
+              <a:rPr kumimoji="1" lang="en-US" altLang="zh-CN" sz="1400" dirty="0" smtClean="0">
+                <a:solidFill>
+                  <a:schemeClr val="accent1">
+                    <a:lumMod val="75000"/>
+                  </a:schemeClr>
+                </a:solidFill>
+              </a:rPr>
+              <a:t>1</a:t>
+            </a:r>
+            <a:r>
+              <a:rPr kumimoji="1" lang="zh-CN" altLang="en-US" sz="1400" dirty="0" smtClean="0">
+                <a:solidFill>
+                  <a:schemeClr val="accent1">
+                    <a:lumMod val="75000"/>
+                  </a:schemeClr>
+                </a:solidFill>
+              </a:rPr>
+              <a:t>开启</a:t>
+            </a:r>
+            <a:r>
+              <a:rPr kumimoji="1" lang="en-US" altLang="zh-CN" sz="1400" dirty="0" smtClean="0">
+                <a:solidFill>
+                  <a:schemeClr val="accent1">
+                    <a:lumMod val="75000"/>
+                  </a:schemeClr>
+                </a:solidFill>
+              </a:rPr>
+              <a:t>.</a:t>
             </a:r>
             <a:endParaRPr kumimoji="1" lang="en-US" altLang="zh-CN" sz="1400" dirty="0" smtClean="0">
               <a:solidFill>
@@ -11627,10 +11296,10 @@
                   </a:schemeClr>
                 </a:solidFill>
               </a:rPr>
-              <a:t>9</a:t>
-            </a:r>
-            <a:r>
-              <a:rPr kumimoji="1" lang="en-US" altLang="zh-CN" sz="1400" dirty="0" smtClean="0">
+              <a:t>7</a:t>
+            </a:r>
+            <a:r>
+              <a:rPr kumimoji="1" lang="zh-CN" altLang="en-US" sz="1400" dirty="0">
                 <a:solidFill>
                   <a:schemeClr val="accent1">
                     <a:lumMod val="75000"/>
@@ -11640,34 +11309,64 @@
               <a:t>)</a:t>
             </a:r>
             <a:r>
-              <a:rPr kumimoji="1" lang="zh-CN" altLang="en-US" sz="1400" dirty="0" smtClean="0">
+              <a:rPr kumimoji="1" lang="zh-CN" altLang="zh-CN" sz="1400" dirty="0" smtClean="0">
                 <a:solidFill>
                   <a:schemeClr val="accent1">
                     <a:lumMod val="75000"/>
                   </a:schemeClr>
                 </a:solidFill>
               </a:rPr>
-              <a:t>、分</a:t>
-            </a:r>
-            <a:r>
-              <a:rPr kumimoji="1" lang="en-US" altLang="zh-CN" sz="1400" dirty="0" smtClean="0">
+              <a:t>、</a:t>
+            </a:r>
+            <a:r>
+              <a:rPr kumimoji="1" lang="zh-CN" altLang="en-US" sz="1400" dirty="0" smtClean="0">
                 <a:solidFill>
                   <a:schemeClr val="accent1">
                     <a:lumMod val="75000"/>
                   </a:schemeClr>
                 </a:solidFill>
               </a:rPr>
-              <a:t>-</a:t>
-            </a:r>
-            <a:r>
-              <a:rPr kumimoji="1" lang="zh-CN" altLang="en-US" sz="1400" dirty="0" smtClean="0">
+              <a:t>按钮</a:t>
+            </a:r>
+            <a:r>
+              <a:rPr kumimoji="1" lang="en-US" altLang="zh-CN" sz="1400" dirty="0" smtClean="0">
                 <a:solidFill>
                   <a:schemeClr val="accent1">
                     <a:lumMod val="75000"/>
                   </a:schemeClr>
                 </a:solidFill>
               </a:rPr>
-              <a:t>按键进行分钟的减操作设定</a:t>
+              <a:t>4</a:t>
+            </a:r>
+            <a:r>
+              <a:rPr kumimoji="1" lang="zh-CN" altLang="en-US" sz="1400" dirty="0" smtClean="0">
+                <a:solidFill>
+                  <a:schemeClr val="accent1">
+                    <a:lumMod val="75000"/>
+                  </a:schemeClr>
+                </a:solidFill>
+              </a:rPr>
+              <a:t>控制显示</a:t>
+            </a:r>
+            <a:r>
+              <a:rPr kumimoji="1" lang="en-US" altLang="zh-CN" sz="1400" dirty="0" smtClean="0">
+                <a:solidFill>
+                  <a:schemeClr val="accent1">
+                    <a:lumMod val="75000"/>
+                  </a:schemeClr>
+                </a:solidFill>
+              </a:rPr>
+              <a:t>\</a:t>
+            </a:r>
+            <a:r>
+              <a:rPr kumimoji="1" lang="zh-CN" altLang="en-US" sz="1400" dirty="0" smtClean="0">
+                <a:solidFill>
+                  <a:schemeClr val="accent1">
+                    <a:lumMod val="75000"/>
+                  </a:schemeClr>
+                </a:solidFill>
+              </a:rPr>
+              <a:t>隐藏显示模块。</a:t>
             </a:r>
             <a:endParaRPr kumimoji="1" lang="en-US" altLang="zh-CN" sz="1400" dirty="0" smtClean="0">
               <a:solidFill>
@@ -11678,6 +11377,124 @@
             </a:endParaRPr>
           </a:p>
           <a:p>
+            <a:r>
+              <a:rPr kumimoji="1" lang="zh-CN" altLang="zh-CN" sz="1400" dirty="0" smtClean="0">
+                <a:solidFill>
+                  <a:schemeClr val="accent1">
+                    <a:lumMod val="75000"/>
+                  </a:schemeClr>
+                </a:solidFill>
+              </a:rPr>
+              <a:t>8</a:t>
+            </a:r>
+            <a:r>
+              <a:rPr kumimoji="1" lang="en-US" altLang="zh-CN" sz="1400" dirty="0" smtClean="0">
+                <a:solidFill>
+                  <a:schemeClr val="accent1">
+                    <a:lumMod val="75000"/>
+                  </a:schemeClr>
+                </a:solidFill>
+              </a:rPr>
+              <a:t>)</a:t>
+            </a:r>
+            <a:r>
+              <a:rPr kumimoji="1" lang="zh-CN" altLang="en-US" sz="1400" dirty="0" smtClean="0">
+                <a:solidFill>
+                  <a:schemeClr val="accent1">
+                    <a:lumMod val="75000"/>
+                  </a:schemeClr>
+                </a:solidFill>
+              </a:rPr>
+              <a:t>、时</a:t>
+            </a:r>
+            <a:r>
+              <a:rPr kumimoji="1" lang="en-US" altLang="zh-CN" sz="1400" dirty="0" smtClean="0">
+                <a:solidFill>
+                  <a:schemeClr val="accent1">
+                    <a:lumMod val="75000"/>
+                  </a:schemeClr>
+                </a:solidFill>
+              </a:rPr>
+              <a:t>-</a:t>
+            </a:r>
+            <a:r>
+              <a:rPr kumimoji="1" lang="zh-CN" altLang="en-US" sz="1400" dirty="0" smtClean="0">
+                <a:solidFill>
+                  <a:schemeClr val="accent1">
+                    <a:lumMod val="75000"/>
+                  </a:schemeClr>
+                </a:solidFill>
+              </a:rPr>
+              <a:t>按键进行小时的减操作设定</a:t>
+            </a:r>
+            <a:endParaRPr kumimoji="1" lang="en-US" altLang="zh-CN" sz="1400" dirty="0" smtClean="0">
+              <a:solidFill>
+                <a:schemeClr val="accent1">
+                  <a:lumMod val="75000"/>
+                </a:schemeClr>
+              </a:solidFill>
+            </a:endParaRPr>
+          </a:p>
+          <a:p>
+            <a:r>
+              <a:rPr kumimoji="1" lang="zh-CN" altLang="zh-CN" sz="1400" dirty="0" smtClean="0">
+                <a:solidFill>
+                  <a:schemeClr val="accent1">
+                    <a:lumMod val="75000"/>
+                  </a:schemeClr>
+                </a:solidFill>
+              </a:rPr>
+              <a:t>9</a:t>
+            </a:r>
+            <a:r>
+              <a:rPr kumimoji="1" lang="en-US" altLang="zh-CN" sz="1400" dirty="0" smtClean="0">
+                <a:solidFill>
+                  <a:schemeClr val="accent1">
+                    <a:lumMod val="75000"/>
+                  </a:schemeClr>
+                </a:solidFill>
+              </a:rPr>
+              <a:t>)</a:t>
+            </a:r>
+            <a:r>
+              <a:rPr kumimoji="1" lang="zh-CN" altLang="en-US" sz="1400" dirty="0" smtClean="0">
+                <a:solidFill>
+                  <a:schemeClr val="accent1">
+                    <a:lumMod val="75000"/>
+                  </a:schemeClr>
+                </a:solidFill>
+              </a:rPr>
+              <a:t>、分</a:t>
+            </a:r>
+            <a:r>
+              <a:rPr kumimoji="1" lang="en-US" altLang="zh-CN" sz="1400" dirty="0" smtClean="0">
+                <a:solidFill>
+                  <a:schemeClr val="accent1">
+                    <a:lumMod val="75000"/>
+                  </a:schemeClr>
+                </a:solidFill>
+              </a:rPr>
+              <a:t>-</a:t>
+            </a:r>
+            <a:r>
+              <a:rPr kumimoji="1" lang="zh-CN" altLang="en-US" sz="1400" dirty="0" smtClean="0">
+                <a:solidFill>
+                  <a:schemeClr val="accent1">
+                    <a:lumMod val="75000"/>
+                  </a:schemeClr>
+                </a:solidFill>
+              </a:rPr>
+              <a:t>按键进行分钟的减操作设定</a:t>
+            </a:r>
+            <a:endParaRPr kumimoji="1" lang="en-US" altLang="zh-CN" sz="1400" dirty="0" smtClean="0">
+              <a:solidFill>
+                <a:schemeClr val="accent1">
+                  <a:lumMod val="75000"/>
+                </a:schemeClr>
+              </a:solidFill>
+            </a:endParaRPr>
+          </a:p>
+          <a:p>
             <a:endParaRPr kumimoji="1" lang="en-US" altLang="zh-CN" sz="1400" dirty="0">
               <a:solidFill>
                 <a:schemeClr val="accent1">
@@ -12194,11 +12011,7 @@
             </a:r>
             <a:r>
               <a:rPr kumimoji="1" lang="zh-CN" altLang="en-US" dirty="0" smtClean="0"/>
-              <a:t>控杀</a:t>
-            </a:r>
-            <a:r>
-              <a:rPr kumimoji="1" lang="zh-CN" altLang="en-US" dirty="0" smtClean="0"/>
-              <a:t>菌灯</a:t>
+              <a:t>控杀菌灯</a:t>
             </a:r>
             <a:endParaRPr kumimoji="1" lang="zh-CN" altLang="en-US" dirty="0"/>
           </a:p>
@@ -12293,11 +12106,7 @@
             </a:r>
             <a:r>
               <a:rPr kumimoji="1" lang="zh-CN" altLang="en-US" dirty="0" smtClean="0"/>
-              <a:t>控</a:t>
-            </a:r>
-            <a:r>
-              <a:rPr kumimoji="1" lang="zh-CN" altLang="en-US" dirty="0" smtClean="0"/>
-              <a:t>主照明模块</a:t>
+              <a:t>控主照明模块</a:t>
             </a:r>
             <a:endParaRPr kumimoji="1" lang="zh-CN" altLang="en-US" dirty="0"/>
           </a:p>
@@ -12395,11 +12204,7 @@
             </a:r>
             <a:r>
               <a:rPr kumimoji="1" lang="zh-CN" altLang="en-US" dirty="0" smtClean="0"/>
-              <a:t>控</a:t>
-            </a:r>
-            <a:r>
-              <a:rPr kumimoji="1" lang="zh-CN" altLang="en-US" dirty="0" smtClean="0"/>
-              <a:t>植物灯</a:t>
+              <a:t>控植物灯</a:t>
             </a:r>
             <a:endParaRPr kumimoji="1" lang="en-US" altLang="zh-CN" dirty="0" smtClean="0"/>
           </a:p>
@@ -12547,11 +12352,7 @@
             </a:r>
             <a:r>
               <a:rPr kumimoji="1" lang="zh-CN" altLang="en-US" dirty="0" smtClean="0"/>
-              <a:t>控冲氧</a:t>
-            </a:r>
-            <a:r>
-              <a:rPr kumimoji="1" lang="zh-CN" altLang="en-US" dirty="0" smtClean="0"/>
-              <a:t>机</a:t>
+              <a:t>控冲氧机</a:t>
             </a:r>
             <a:endParaRPr kumimoji="1" lang="en-US" altLang="zh-CN" dirty="0" smtClean="0"/>
           </a:p>
@@ -12958,11 +12759,6 @@
         </p:txBody>
       </p:sp>
     </p:spTree>
-    <p:extLst>
-      <p:ext uri="{BB962C8B-B14F-4D97-AF65-F5344CB8AC3E}">
-        <p14:creationId xmlns:p14="http://schemas.microsoft.com/office/powerpoint/2010/main" val="908512289"/>
-      </p:ext>
-    </p:extLst>
   </p:cSld>
   <p:clrMapOvr>
     <a:masterClrMapping/>
@@ -12970,10 +12766,835 @@
   <p:timing>
     <p:tnLst>
       <p:par>
-        <p:cTn xmlns:p14="http://schemas.microsoft.com/office/powerpoint/2010/main" id="1" dur="indefinite" restart="never" nodeType="tmRoot"/>
+        <p:cTn id="1" dur="indefinite" restart="never" nodeType="tmRoot"/>
       </p:par>
     </p:tnLst>
   </p:timing>
+</p:sld>
+</file>
+
+<file path=ppt/slides/slide9.xml><?xml version="1.0" encoding="utf-8"?>
+<p:sld xmlns:a="http://schemas.openxmlformats.org/drawingml/2006/main" xmlns:r="http://schemas.openxmlformats.org/officeDocument/2006/relationships" xmlns:p="http://schemas.openxmlformats.org/presentationml/2006/main">
+  <p:cSld>
+    <p:spTree>
+      <p:nvGrpSpPr>
+        <p:cNvPr id="1" name=""/>
+        <p:cNvGrpSpPr/>
+        <p:nvPr/>
+      </p:nvGrpSpPr>
+      <p:grpSpPr/>
+      <p:sp>
+        <p:nvSpPr>
+          <p:cNvPr id="4" name="圆角矩形 3"/>
+          <p:cNvSpPr/>
+          <p:nvPr/>
+        </p:nvSpPr>
+        <p:spPr>
+          <a:xfrm>
+            <a:off x="2589530" y="1821180"/>
+            <a:ext cx="3877945" cy="2174240"/>
+          </a:xfrm>
+          <a:prstGeom prst="roundRect">
+            <a:avLst/>
+          </a:prstGeom>
+        </p:spPr>
+        <p:style>
+          <a:lnRef idx="2">
+            <a:schemeClr val="accent1">
+              <a:shade val="50000"/>
+            </a:schemeClr>
+          </a:lnRef>
+          <a:fillRef idx="1">
+            <a:schemeClr val="accent1"/>
+          </a:fillRef>
+          <a:effectRef idx="0">
+            <a:schemeClr val="accent1"/>
+          </a:effectRef>
+          <a:fontRef idx="minor">
+            <a:schemeClr val="lt1"/>
+          </a:fontRef>
+        </p:style>
+        <p:txBody>
+          <a:bodyPr rtlCol="0" anchor="ctr"/>
+          <a:p>
+            <a:pPr algn="ctr"/>
+            <a:r>
+              <a:rPr lang="en-US" altLang="zh-CN"/>
+              <a:t>stc15f104</a:t>
+            </a:r>
+            <a:r>
+              <a:rPr lang="zh-CN" altLang="en-US"/>
+              <a:t>单片机</a:t>
+            </a:r>
+            <a:endParaRPr lang="zh-CN" altLang="en-US"/>
+          </a:p>
+        </p:txBody>
+      </p:sp>
+      <p:sp>
+        <p:nvSpPr>
+          <p:cNvPr id="5" name="文本框 4"/>
+          <p:cNvSpPr txBox="1"/>
+          <p:nvPr/>
+        </p:nvSpPr>
+        <p:spPr>
+          <a:xfrm>
+            <a:off x="4734560" y="144780"/>
+            <a:ext cx="2722880" cy="701040"/>
+          </a:xfrm>
+          <a:prstGeom prst="rect">
+            <a:avLst/>
+          </a:prstGeom>
+          <a:noFill/>
+        </p:spPr>
+        <p:txBody>
+          <a:bodyPr wrap="none" rtlCol="0">
+            <a:spAutoFit/>
+          </a:bodyPr>
+          <a:p>
+            <a:r>
+              <a:rPr lang="zh-CN" altLang="en-US" sz="4000"/>
+              <a:t>紫外消毒灯</a:t>
+            </a:r>
+            <a:endParaRPr lang="zh-CN" altLang="en-US" sz="4000"/>
+          </a:p>
+        </p:txBody>
+      </p:sp>
+      <p:sp>
+        <p:nvSpPr>
+          <p:cNvPr id="6" name="圆角矩形 5"/>
+          <p:cNvSpPr/>
+          <p:nvPr/>
+        </p:nvSpPr>
+        <p:spPr>
+          <a:xfrm>
+            <a:off x="7457440" y="1821815"/>
+            <a:ext cx="2229485" cy="914400"/>
+          </a:xfrm>
+          <a:prstGeom prst="roundRect">
+            <a:avLst/>
+          </a:prstGeom>
+        </p:spPr>
+        <p:style>
+          <a:lnRef idx="2">
+            <a:schemeClr val="accent2">
+              <a:shade val="50000"/>
+            </a:schemeClr>
+          </a:lnRef>
+          <a:fillRef idx="1">
+            <a:schemeClr val="accent2"/>
+          </a:fillRef>
+          <a:effectRef idx="0">
+            <a:schemeClr val="accent2"/>
+          </a:effectRef>
+          <a:fontRef idx="minor">
+            <a:schemeClr val="lt1"/>
+          </a:fontRef>
+        </p:style>
+        <p:txBody>
+          <a:bodyPr rtlCol="0" anchor="ctr"/>
+          <a:p>
+            <a:pPr algn="ctr"/>
+            <a:r>
+              <a:rPr lang="zh-CN" altLang="en-US"/>
+              <a:t>工作指示灯</a:t>
+            </a:r>
+            <a:endParaRPr lang="zh-CN" altLang="en-US"/>
+          </a:p>
+        </p:txBody>
+      </p:sp>
+      <p:sp>
+        <p:nvSpPr>
+          <p:cNvPr id="7" name="矩形 6"/>
+          <p:cNvSpPr/>
+          <p:nvPr/>
+        </p:nvSpPr>
+        <p:spPr>
+          <a:xfrm>
+            <a:off x="7457440" y="3144520"/>
+            <a:ext cx="2229485" cy="850900"/>
+          </a:xfrm>
+          <a:prstGeom prst="rect">
+            <a:avLst/>
+          </a:prstGeom>
+        </p:spPr>
+        <p:style>
+          <a:lnRef idx="2">
+            <a:schemeClr val="accent4">
+              <a:shade val="50000"/>
+            </a:schemeClr>
+          </a:lnRef>
+          <a:fillRef idx="1">
+            <a:schemeClr val="accent4"/>
+          </a:fillRef>
+          <a:effectRef idx="0">
+            <a:schemeClr val="accent4"/>
+          </a:effectRef>
+          <a:fontRef idx="minor">
+            <a:schemeClr val="lt1"/>
+          </a:fontRef>
+        </p:style>
+        <p:txBody>
+          <a:bodyPr rtlCol="0" anchor="ctr"/>
+          <a:p>
+            <a:pPr algn="ctr"/>
+            <a:r>
+              <a:rPr lang="zh-CN" altLang="en-US"/>
+              <a:t>紫外灯</a:t>
+            </a:r>
+            <a:endParaRPr lang="zh-CN" altLang="en-US"/>
+          </a:p>
+        </p:txBody>
+      </p:sp>
+      <p:sp>
+        <p:nvSpPr>
+          <p:cNvPr id="8" name="圆角矩形 7"/>
+          <p:cNvSpPr/>
+          <p:nvPr/>
+        </p:nvSpPr>
+        <p:spPr>
+          <a:xfrm>
+            <a:off x="2589530" y="4903470"/>
+            <a:ext cx="3877945" cy="1645920"/>
+          </a:xfrm>
+          <a:prstGeom prst="roundRect">
+            <a:avLst/>
+          </a:prstGeom>
+        </p:spPr>
+        <p:style>
+          <a:lnRef idx="2">
+            <a:schemeClr val="accent3">
+              <a:shade val="50000"/>
+            </a:schemeClr>
+          </a:lnRef>
+          <a:fillRef idx="1">
+            <a:schemeClr val="accent3"/>
+          </a:fillRef>
+          <a:effectRef idx="0">
+            <a:schemeClr val="accent3"/>
+          </a:effectRef>
+          <a:fontRef idx="minor">
+            <a:schemeClr val="lt1"/>
+          </a:fontRef>
+        </p:style>
+        <p:txBody>
+          <a:bodyPr rtlCol="0" anchor="ctr"/>
+          <a:p>
+            <a:pPr algn="ctr"/>
+            <a:endParaRPr lang="zh-CN" altLang="en-US"/>
+          </a:p>
+        </p:txBody>
+      </p:sp>
+      <p:sp>
+        <p:nvSpPr>
+          <p:cNvPr id="9" name="圆角矩形 8"/>
+          <p:cNvSpPr/>
+          <p:nvPr/>
+        </p:nvSpPr>
+        <p:spPr>
+          <a:xfrm>
+            <a:off x="2929255" y="5269230"/>
+            <a:ext cx="914400" cy="914400"/>
+          </a:xfrm>
+          <a:prstGeom prst="roundRect">
+            <a:avLst/>
+          </a:prstGeom>
+        </p:spPr>
+        <p:style>
+          <a:lnRef idx="2">
+            <a:schemeClr val="accent1">
+              <a:shade val="50000"/>
+            </a:schemeClr>
+          </a:lnRef>
+          <a:fillRef idx="1">
+            <a:schemeClr val="accent1"/>
+          </a:fillRef>
+          <a:effectRef idx="0">
+            <a:schemeClr val="accent1"/>
+          </a:effectRef>
+          <a:fontRef idx="minor">
+            <a:schemeClr val="lt1"/>
+          </a:fontRef>
+        </p:style>
+        <p:txBody>
+          <a:bodyPr rtlCol="0" anchor="ctr"/>
+          <a:p>
+            <a:pPr algn="ctr"/>
+            <a:r>
+              <a:rPr lang="zh-CN" altLang="en-US"/>
+              <a:t>亮度</a:t>
+            </a:r>
+            <a:r>
+              <a:rPr lang="en-US" altLang="zh-CN"/>
+              <a:t>+</a:t>
+            </a:r>
+            <a:endParaRPr lang="en-US" altLang="zh-CN"/>
+          </a:p>
+        </p:txBody>
+      </p:sp>
+      <p:sp>
+        <p:nvSpPr>
+          <p:cNvPr id="10" name="圆角矩形 9"/>
+          <p:cNvSpPr/>
+          <p:nvPr/>
+        </p:nvSpPr>
+        <p:spPr>
+          <a:xfrm>
+            <a:off x="4072255" y="5269230"/>
+            <a:ext cx="914400" cy="914400"/>
+          </a:xfrm>
+          <a:prstGeom prst="roundRect">
+            <a:avLst/>
+          </a:prstGeom>
+        </p:spPr>
+        <p:style>
+          <a:lnRef idx="2">
+            <a:schemeClr val="accent1">
+              <a:shade val="50000"/>
+            </a:schemeClr>
+          </a:lnRef>
+          <a:fillRef idx="1">
+            <a:schemeClr val="accent1"/>
+          </a:fillRef>
+          <a:effectRef idx="0">
+            <a:schemeClr val="accent1"/>
+          </a:effectRef>
+          <a:fontRef idx="minor">
+            <a:schemeClr val="lt1"/>
+          </a:fontRef>
+        </p:style>
+        <p:txBody>
+          <a:bodyPr rtlCol="0" anchor="ctr"/>
+          <a:p>
+            <a:pPr algn="ctr"/>
+            <a:r>
+              <a:rPr lang="zh-CN" altLang="en-US"/>
+              <a:t>消毒</a:t>
+            </a:r>
+            <a:endParaRPr lang="zh-CN" altLang="en-US"/>
+          </a:p>
+        </p:txBody>
+      </p:sp>
+      <p:sp>
+        <p:nvSpPr>
+          <p:cNvPr id="11" name="圆角矩形 10"/>
+          <p:cNvSpPr/>
+          <p:nvPr/>
+        </p:nvSpPr>
+        <p:spPr>
+          <a:xfrm>
+            <a:off x="5215890" y="5269230"/>
+            <a:ext cx="914400" cy="914400"/>
+          </a:xfrm>
+          <a:prstGeom prst="roundRect">
+            <a:avLst/>
+          </a:prstGeom>
+        </p:spPr>
+        <p:style>
+          <a:lnRef idx="2">
+            <a:schemeClr val="accent1">
+              <a:shade val="50000"/>
+            </a:schemeClr>
+          </a:lnRef>
+          <a:fillRef idx="1">
+            <a:schemeClr val="accent1"/>
+          </a:fillRef>
+          <a:effectRef idx="0">
+            <a:schemeClr val="accent1"/>
+          </a:effectRef>
+          <a:fontRef idx="minor">
+            <a:schemeClr val="lt1"/>
+          </a:fontRef>
+        </p:style>
+        <p:txBody>
+          <a:bodyPr rtlCol="0" anchor="ctr"/>
+          <a:p>
+            <a:pPr algn="ctr"/>
+            <a:r>
+              <a:rPr lang="zh-CN" altLang="en-US"/>
+              <a:t>重置</a:t>
+            </a:r>
+            <a:endParaRPr lang="zh-CN" altLang="en-US"/>
+          </a:p>
+        </p:txBody>
+      </p:sp>
+      <p:sp>
+        <p:nvSpPr>
+          <p:cNvPr id="12" name="圆角矩形 11"/>
+          <p:cNvSpPr/>
+          <p:nvPr/>
+        </p:nvSpPr>
+        <p:spPr>
+          <a:xfrm>
+            <a:off x="519430" y="1631950"/>
+            <a:ext cx="1275715" cy="2835910"/>
+          </a:xfrm>
+          <a:prstGeom prst="roundRect">
+            <a:avLst/>
+          </a:prstGeom>
+        </p:spPr>
+        <p:style>
+          <a:lnRef idx="2">
+            <a:schemeClr val="accent1">
+              <a:shade val="50000"/>
+            </a:schemeClr>
+          </a:lnRef>
+          <a:fillRef idx="1">
+            <a:schemeClr val="accent1"/>
+          </a:fillRef>
+          <a:effectRef idx="0">
+            <a:schemeClr val="accent1"/>
+          </a:effectRef>
+          <a:fontRef idx="minor">
+            <a:schemeClr val="lt1"/>
+          </a:fontRef>
+        </p:style>
+        <p:txBody>
+          <a:bodyPr rtlCol="0" anchor="ctr"/>
+          <a:p>
+            <a:pPr algn="ctr"/>
+            <a:endParaRPr lang="zh-CN" altLang="en-US"/>
+          </a:p>
+        </p:txBody>
+      </p:sp>
+      <p:sp>
+        <p:nvSpPr>
+          <p:cNvPr id="13" name="右箭头 12"/>
+          <p:cNvSpPr/>
+          <p:nvPr/>
+        </p:nvSpPr>
+        <p:spPr>
+          <a:xfrm>
+            <a:off x="1795145" y="2736215"/>
+            <a:ext cx="794385" cy="408305"/>
+          </a:xfrm>
+          <a:prstGeom prst="rightArrow">
+            <a:avLst/>
+          </a:prstGeom>
+        </p:spPr>
+        <p:style>
+          <a:lnRef idx="2">
+            <a:schemeClr val="accent1">
+              <a:shade val="50000"/>
+            </a:schemeClr>
+          </a:lnRef>
+          <a:fillRef idx="1">
+            <a:schemeClr val="accent1"/>
+          </a:fillRef>
+          <a:effectRef idx="0">
+            <a:schemeClr val="accent1"/>
+          </a:effectRef>
+          <a:fontRef idx="minor">
+            <a:schemeClr val="lt1"/>
+          </a:fontRef>
+        </p:style>
+        <p:txBody>
+          <a:bodyPr rtlCol="0" anchor="ctr"/>
+          <a:p>
+            <a:pPr algn="ctr"/>
+            <a:endParaRPr lang="zh-CN" altLang="en-US"/>
+          </a:p>
+        </p:txBody>
+      </p:sp>
+      <p:sp>
+        <p:nvSpPr>
+          <p:cNvPr id="14" name="上箭头 13"/>
+          <p:cNvSpPr/>
+          <p:nvPr/>
+        </p:nvSpPr>
+        <p:spPr>
+          <a:xfrm>
+            <a:off x="4189095" y="3995420"/>
+            <a:ext cx="545465" cy="908050"/>
+          </a:xfrm>
+          <a:prstGeom prst="upArrow">
+            <a:avLst/>
+          </a:prstGeom>
+        </p:spPr>
+        <p:style>
+          <a:lnRef idx="2">
+            <a:schemeClr val="accent1">
+              <a:shade val="50000"/>
+            </a:schemeClr>
+          </a:lnRef>
+          <a:fillRef idx="1">
+            <a:schemeClr val="accent1"/>
+          </a:fillRef>
+          <a:effectRef idx="0">
+            <a:schemeClr val="accent1"/>
+          </a:effectRef>
+          <a:fontRef idx="minor">
+            <a:schemeClr val="lt1"/>
+          </a:fontRef>
+        </p:style>
+        <p:txBody>
+          <a:bodyPr rtlCol="0" anchor="ctr"/>
+          <a:p>
+            <a:pPr algn="ctr"/>
+            <a:endParaRPr lang="zh-CN" altLang="en-US"/>
+          </a:p>
+        </p:txBody>
+      </p:sp>
+      <p:sp>
+        <p:nvSpPr>
+          <p:cNvPr id="15" name="左箭头 14"/>
+          <p:cNvSpPr/>
+          <p:nvPr/>
+        </p:nvSpPr>
+        <p:spPr>
+          <a:xfrm>
+            <a:off x="6467475" y="2023110"/>
+            <a:ext cx="989965" cy="512445"/>
+          </a:xfrm>
+          <a:prstGeom prst="leftArrow">
+            <a:avLst/>
+          </a:prstGeom>
+        </p:spPr>
+        <p:style>
+          <a:lnRef idx="2">
+            <a:schemeClr val="accent1">
+              <a:shade val="50000"/>
+            </a:schemeClr>
+          </a:lnRef>
+          <a:fillRef idx="1">
+            <a:schemeClr val="accent1"/>
+          </a:fillRef>
+          <a:effectRef idx="0">
+            <a:schemeClr val="accent1"/>
+          </a:effectRef>
+          <a:fontRef idx="minor">
+            <a:schemeClr val="lt1"/>
+          </a:fontRef>
+        </p:style>
+        <p:txBody>
+          <a:bodyPr rtlCol="0" anchor="ctr"/>
+          <a:p>
+            <a:pPr algn="ctr"/>
+            <a:endParaRPr lang="zh-CN" altLang="en-US"/>
+          </a:p>
+        </p:txBody>
+      </p:sp>
+      <p:sp>
+        <p:nvSpPr>
+          <p:cNvPr id="16" name="左箭头 15"/>
+          <p:cNvSpPr/>
+          <p:nvPr/>
+        </p:nvSpPr>
+        <p:spPr>
+          <a:xfrm>
+            <a:off x="6467475" y="3313430"/>
+            <a:ext cx="989965" cy="512445"/>
+          </a:xfrm>
+          <a:prstGeom prst="leftArrow">
+            <a:avLst/>
+          </a:prstGeom>
+        </p:spPr>
+        <p:style>
+          <a:lnRef idx="2">
+            <a:schemeClr val="accent1">
+              <a:shade val="50000"/>
+            </a:schemeClr>
+          </a:lnRef>
+          <a:fillRef idx="1">
+            <a:schemeClr val="accent1"/>
+          </a:fillRef>
+          <a:effectRef idx="0">
+            <a:schemeClr val="accent1"/>
+          </a:effectRef>
+          <a:fontRef idx="minor">
+            <a:schemeClr val="lt1"/>
+          </a:fontRef>
+        </p:style>
+        <p:txBody>
+          <a:bodyPr rtlCol="0" anchor="ctr"/>
+          <a:p>
+            <a:pPr algn="ctr"/>
+            <a:endParaRPr lang="zh-CN" altLang="en-US"/>
+          </a:p>
+        </p:txBody>
+      </p:sp>
+      <p:sp>
+        <p:nvSpPr>
+          <p:cNvPr id="17" name="文本框 16"/>
+          <p:cNvSpPr txBox="1"/>
+          <p:nvPr/>
+        </p:nvSpPr>
+        <p:spPr>
+          <a:xfrm>
+            <a:off x="1795145" y="2502535"/>
+            <a:ext cx="457200" cy="365760"/>
+          </a:xfrm>
+          <a:prstGeom prst="rect">
+            <a:avLst/>
+          </a:prstGeom>
+          <a:noFill/>
+        </p:spPr>
+        <p:txBody>
+          <a:bodyPr wrap="none" rtlCol="0">
+            <a:spAutoFit/>
+          </a:bodyPr>
+          <a:p>
+            <a:r>
+              <a:rPr lang="en-US" altLang="zh-CN"/>
+              <a:t>p0</a:t>
+            </a:r>
+            <a:endParaRPr lang="en-US" altLang="zh-CN"/>
+          </a:p>
+        </p:txBody>
+      </p:sp>
+      <p:sp>
+        <p:nvSpPr>
+          <p:cNvPr id="18" name="文本框 17"/>
+          <p:cNvSpPr txBox="1"/>
+          <p:nvPr/>
+        </p:nvSpPr>
+        <p:spPr>
+          <a:xfrm>
+            <a:off x="596265" y="1821180"/>
+            <a:ext cx="1121410" cy="365760"/>
+          </a:xfrm>
+          <a:prstGeom prst="rect">
+            <a:avLst/>
+          </a:prstGeom>
+          <a:noFill/>
+        </p:spPr>
+        <p:txBody>
+          <a:bodyPr wrap="square" rtlCol="0">
+            <a:spAutoFit/>
+          </a:bodyPr>
+          <a:p>
+            <a:r>
+              <a:rPr lang="zh-CN" altLang="en-US">
+                <a:sym typeface="+mn-ea"/>
+              </a:rPr>
+              <a:t>烧录串口</a:t>
+            </a:r>
+            <a:endParaRPr lang="zh-CN" altLang="en-US"/>
+          </a:p>
+        </p:txBody>
+      </p:sp>
+      <p:sp>
+        <p:nvSpPr>
+          <p:cNvPr id="20" name="剪去单角的矩形 19"/>
+          <p:cNvSpPr/>
+          <p:nvPr/>
+        </p:nvSpPr>
+        <p:spPr>
+          <a:xfrm>
+            <a:off x="596265" y="2502535"/>
+            <a:ext cx="1121410" cy="365760"/>
+          </a:xfrm>
+          <a:prstGeom prst="snip1Rect">
+            <a:avLst/>
+          </a:prstGeom>
+        </p:spPr>
+        <p:style>
+          <a:lnRef idx="2">
+            <a:schemeClr val="accent1">
+              <a:shade val="50000"/>
+            </a:schemeClr>
+          </a:lnRef>
+          <a:fillRef idx="1">
+            <a:schemeClr val="accent1"/>
+          </a:fillRef>
+          <a:effectRef idx="0">
+            <a:schemeClr val="accent1"/>
+          </a:effectRef>
+          <a:fontRef idx="minor">
+            <a:schemeClr val="lt1"/>
+          </a:fontRef>
+        </p:style>
+        <p:txBody>
+          <a:bodyPr rtlCol="0" anchor="ctr"/>
+          <a:p>
+            <a:pPr algn="ctr"/>
+            <a:r>
+              <a:rPr lang="en-US" altLang="zh-CN"/>
+              <a:t>TX</a:t>
+            </a:r>
+            <a:endParaRPr lang="en-US" altLang="zh-CN"/>
+          </a:p>
+        </p:txBody>
+      </p:sp>
+      <p:sp>
+        <p:nvSpPr>
+          <p:cNvPr id="21" name="剪去单角的矩形 20"/>
+          <p:cNvSpPr/>
+          <p:nvPr/>
+        </p:nvSpPr>
+        <p:spPr>
+          <a:xfrm>
+            <a:off x="596900" y="3144520"/>
+            <a:ext cx="1121410" cy="365760"/>
+          </a:xfrm>
+          <a:prstGeom prst="snip1Rect">
+            <a:avLst/>
+          </a:prstGeom>
+        </p:spPr>
+        <p:style>
+          <a:lnRef idx="2">
+            <a:schemeClr val="accent1">
+              <a:shade val="50000"/>
+            </a:schemeClr>
+          </a:lnRef>
+          <a:fillRef idx="1">
+            <a:schemeClr val="accent1"/>
+          </a:fillRef>
+          <a:effectRef idx="0">
+            <a:schemeClr val="accent1"/>
+          </a:effectRef>
+          <a:fontRef idx="minor">
+            <a:schemeClr val="lt1"/>
+          </a:fontRef>
+        </p:style>
+        <p:txBody>
+          <a:bodyPr rtlCol="0" anchor="ctr"/>
+          <a:p>
+            <a:pPr algn="ctr"/>
+            <a:r>
+              <a:rPr lang="en-US" altLang="zh-CN"/>
+              <a:t>RX</a:t>
+            </a:r>
+            <a:endParaRPr lang="en-US" altLang="zh-CN"/>
+          </a:p>
+        </p:txBody>
+      </p:sp>
+      <p:sp>
+        <p:nvSpPr>
+          <p:cNvPr id="22" name="文本框 21"/>
+          <p:cNvSpPr txBox="1"/>
+          <p:nvPr/>
+        </p:nvSpPr>
+        <p:spPr>
+          <a:xfrm>
+            <a:off x="1795145" y="3144520"/>
+            <a:ext cx="457200" cy="365760"/>
+          </a:xfrm>
+          <a:prstGeom prst="rect">
+            <a:avLst/>
+          </a:prstGeom>
+          <a:noFill/>
+        </p:spPr>
+        <p:txBody>
+          <a:bodyPr wrap="none" rtlCol="0">
+            <a:spAutoFit/>
+          </a:bodyPr>
+          <a:p>
+            <a:r>
+              <a:rPr lang="en-US" altLang="zh-CN"/>
+              <a:t>p1</a:t>
+            </a:r>
+            <a:endParaRPr lang="en-US" altLang="zh-CN"/>
+          </a:p>
+        </p:txBody>
+      </p:sp>
+      <p:sp>
+        <p:nvSpPr>
+          <p:cNvPr id="23" name="文本框 22"/>
+          <p:cNvSpPr txBox="1"/>
+          <p:nvPr/>
+        </p:nvSpPr>
+        <p:spPr>
+          <a:xfrm>
+            <a:off x="7063740" y="4231640"/>
+            <a:ext cx="4938395" cy="640080"/>
+          </a:xfrm>
+          <a:prstGeom prst="rect">
+            <a:avLst/>
+          </a:prstGeom>
+          <a:noFill/>
+        </p:spPr>
+        <p:txBody>
+          <a:bodyPr wrap="square" rtlCol="0">
+            <a:spAutoFit/>
+          </a:bodyPr>
+          <a:p>
+            <a:r>
+              <a:rPr lang="en-US" altLang="zh-CN"/>
+              <a:t>1.pwm</a:t>
+            </a:r>
+            <a:r>
+              <a:rPr lang="zh-CN" altLang="en-US"/>
+              <a:t>控制亮度调节，基础值参考</a:t>
+            </a:r>
+            <a:r>
+              <a:rPr lang="en-US" altLang="zh-CN"/>
+              <a:t>led</a:t>
+            </a:r>
+            <a:r>
+              <a:rPr lang="zh-CN" altLang="en-US"/>
+              <a:t>浮值电压</a:t>
+            </a:r>
+            <a:endParaRPr lang="zh-CN" altLang="en-US"/>
+          </a:p>
+          <a:p>
+            <a:r>
+              <a:rPr lang="en-US" altLang="zh-CN"/>
+              <a:t>2.</a:t>
+            </a:r>
+            <a:r>
+              <a:rPr lang="zh-CN" altLang="en-US"/>
+              <a:t>低电压警告？</a:t>
+            </a:r>
+            <a:endParaRPr lang="zh-CN" altLang="en-US"/>
+          </a:p>
+        </p:txBody>
+      </p:sp>
+      <p:sp>
+        <p:nvSpPr>
+          <p:cNvPr id="24" name="圆角矩形 23"/>
+          <p:cNvSpPr/>
+          <p:nvPr/>
+        </p:nvSpPr>
+        <p:spPr>
+          <a:xfrm>
+            <a:off x="557530" y="717550"/>
+            <a:ext cx="1198245" cy="914400"/>
+          </a:xfrm>
+          <a:prstGeom prst="roundRect">
+            <a:avLst/>
+          </a:prstGeom>
+        </p:spPr>
+        <p:style>
+          <a:lnRef idx="2">
+            <a:schemeClr val="accent2">
+              <a:shade val="50000"/>
+            </a:schemeClr>
+          </a:lnRef>
+          <a:fillRef idx="1">
+            <a:schemeClr val="accent2"/>
+          </a:fillRef>
+          <a:effectRef idx="0">
+            <a:schemeClr val="accent2"/>
+          </a:effectRef>
+          <a:fontRef idx="minor">
+            <a:schemeClr val="lt1"/>
+          </a:fontRef>
+        </p:style>
+        <p:txBody>
+          <a:bodyPr rtlCol="0" anchor="ctr"/>
+          <a:p>
+            <a:pPr algn="ctr"/>
+            <a:r>
+              <a:rPr lang="zh-CN" altLang="en-US"/>
+              <a:t>低压</a:t>
+            </a:r>
+            <a:endParaRPr lang="zh-CN" altLang="en-US"/>
+          </a:p>
+          <a:p>
+            <a:pPr algn="ctr"/>
+            <a:r>
+              <a:rPr lang="zh-CN" altLang="en-US"/>
+              <a:t>指示灯</a:t>
+            </a:r>
+            <a:endParaRPr lang="zh-CN" altLang="en-US"/>
+          </a:p>
+        </p:txBody>
+      </p:sp>
+    </p:spTree>
+  </p:cSld>
+  <p:clrMapOvr>
+    <a:masterClrMapping/>
+  </p:clrMapOvr>
 </p:sld>
 </file>
 
@@ -13232,7 +13853,7 @@
   <a:extraClrSchemeLst/>
   <a:extLst>
     <a:ext uri="{05A4C25C-085E-4340-85A3-A5531E510DB2}">
-      <thm15:themeFamily xmlns:thm15="http://schemas.microsoft.com/office/thememl/2012/main" xmlns="" name="Office Theme" id="{62F939B6-93AF-4DB8-9C6B-D6C7DFDC589F}" vid="{4A3C46E8-61CC-4603-A589-7422A47A8E4A}"/>
+      <thm15:themeFamily xmlns:thm15="http://schemas.microsoft.com/office/thememl/2012/main" name="Office Theme" id="{62F939B6-93AF-4DB8-9C6B-D6C7DFDC589F}" vid="{4A3C46E8-61CC-4603-A589-7422A47A8E4A}"/>
     </a:ext>
   </a:extLst>
 </a:theme>
